--- a/Presentations/Nayi Disha_4.pptx
+++ b/Presentations/Nayi Disha_4.pptx
@@ -5,13 +5,14 @@
     <p:sldMasterId id="2147483648" r:id="rId1"/>
   </p:sldMasterIdLst>
   <p:notesMasterIdLst>
-    <p:notesMasterId r:id="rId6"/>
+    <p:notesMasterId r:id="rId7"/>
   </p:notesMasterIdLst>
   <p:sldIdLst>
     <p:sldId id="291" r:id="rId2"/>
     <p:sldId id="281" r:id="rId3"/>
-    <p:sldId id="290" r:id="rId4"/>
+    <p:sldId id="298" r:id="rId4"/>
     <p:sldId id="296" r:id="rId5"/>
+    <p:sldId id="297" r:id="rId6"/>
   </p:sldIdLst>
   <p:sldSz cx="12192000" cy="6858000"/>
   <p:notesSz cx="6858000" cy="9144000"/>
@@ -5183,7 +5184,7 @@
             <a:fld id="{C4D5ADD5-2BBC-4A94-8F86-D9013941F742}" type="datetimeFigureOut">
               <a:rPr lang="en-US"/>
               <a:pPr/>
-              <a:t>28-Aug-24</a:t>
+              <a:t>13-Sep-24</a:t>
             </a:fld>
             <a:endParaRPr lang="en-US"/>
           </a:p>
@@ -5917,6 +5918,184 @@
 </p:notes>
 </file>
 
+<file path=ppt/notesSlides/notesSlide4.xml><?xml version="1.0" encoding="utf-8"?>
+<p:notes xmlns:a="http://schemas.openxmlformats.org/drawingml/2006/main" xmlns:r="http://schemas.openxmlformats.org/officeDocument/2006/relationships" xmlns:p="http://schemas.openxmlformats.org/presentationml/2006/main">
+  <p:cSld>
+    <p:spTree>
+      <p:nvGrpSpPr>
+        <p:cNvPr id="1" name=""/>
+        <p:cNvGrpSpPr/>
+        <p:nvPr/>
+      </p:nvGrpSpPr>
+      <p:grpSpPr>
+        <a:xfrm>
+          <a:off x="0" y="0"/>
+          <a:ext cx="0" cy="0"/>
+          <a:chOff x="0" y="0"/>
+          <a:chExt cx="0" cy="0"/>
+        </a:xfrm>
+      </p:grpSpPr>
+      <p:sp>
+        <p:nvSpPr>
+          <p:cNvPr id="18433" name="Slide Image Placeholder 1"/>
+          <p:cNvSpPr>
+            <a:spLocks noGrp="1" noRot="1" noChangeAspect="1"/>
+          </p:cNvSpPr>
+          <p:nvPr>
+            <p:ph type="sldImg"/>
+          </p:nvPr>
+        </p:nvSpPr>
+        <p:spPr bwMode="auto">
+          <a:xfrm>
+            <a:off x="381000" y="685800"/>
+            <a:ext cx="6096000" cy="3429000"/>
+          </a:xfrm>
+          <a:noFill/>
+          <a:ln>
+            <a:solidFill>
+              <a:srgbClr val="000000"/>
+            </a:solidFill>
+            <a:miter lim="800000"/>
+            <a:headEnd/>
+            <a:tailEnd/>
+          </a:ln>
+        </p:spPr>
+      </p:sp>
+      <p:sp>
+        <p:nvSpPr>
+          <p:cNvPr id="18434" name="Notes Placeholder 2"/>
+          <p:cNvSpPr>
+            <a:spLocks noGrp="1"/>
+          </p:cNvSpPr>
+          <p:nvPr>
+            <p:ph type="body" idx="1"/>
+          </p:nvPr>
+        </p:nvSpPr>
+        <p:spPr bwMode="auto">
+          <a:noFill/>
+        </p:spPr>
+        <p:txBody>
+          <a:bodyPr wrap="square" numCol="1" anchor="t" anchorCtr="0" compatLnSpc="1">
+            <a:prstTxWarp prst="textNoShape">
+              <a:avLst/>
+            </a:prstTxWarp>
+          </a:bodyPr>
+          <a:lstStyle/>
+          <a:p>
+            <a:pPr eaLnBrk="1" hangingPunct="1">
+              <a:spcBef>
+                <a:spcPct val="0"/>
+              </a:spcBef>
+            </a:pPr>
+            <a:endParaRPr lang="en-US">
+              <a:ea typeface="ＭＳ Ｐゴシック" pitchFamily="1" charset="-128"/>
+            </a:endParaRPr>
+          </a:p>
+        </p:txBody>
+      </p:sp>
+      <p:sp>
+        <p:nvSpPr>
+          <p:cNvPr id="18435" name="Slide Number Placeholder 3"/>
+          <p:cNvSpPr>
+            <a:spLocks noGrp="1"/>
+          </p:cNvSpPr>
+          <p:nvPr>
+            <p:ph type="sldNum" sz="quarter" idx="5"/>
+          </p:nvPr>
+        </p:nvSpPr>
+        <p:spPr bwMode="auto">
+          <a:noFill/>
+          <a:ln>
+            <a:miter lim="800000"/>
+            <a:headEnd/>
+            <a:tailEnd/>
+          </a:ln>
+        </p:spPr>
+        <p:txBody>
+          <a:bodyPr/>
+          <a:lstStyle/>
+          <a:p>
+            <a:pPr marL="0" marR="0" lvl="0" indent="0" algn="r" defTabSz="457200" rtl="0" eaLnBrk="1" fontAlgn="base" latinLnBrk="0" hangingPunct="1">
+              <a:lnSpc>
+                <a:spcPct val="100000"/>
+              </a:lnSpc>
+              <a:spcBef>
+                <a:spcPct val="0"/>
+              </a:spcBef>
+              <a:spcAft>
+                <a:spcPct val="0"/>
+              </a:spcAft>
+              <a:buClrTx/>
+              <a:buSzTx/>
+              <a:buFontTx/>
+              <a:buNone/>
+              <a:tabLst/>
+              <a:defRPr/>
+            </a:pPr>
+            <a:fld id="{0CA7B74D-3791-4AC6-8451-F10DBCCCDD9A}" type="slidenum">
+              <a:rPr kumimoji="0" lang="en-US" sz="1200" b="0" i="0" u="none" strike="noStrike" kern="1200" cap="none" spc="0" normalizeH="0" baseline="0" noProof="0">
+                <a:ln>
+                  <a:noFill/>
+                </a:ln>
+                <a:solidFill>
+                  <a:prstClr val="black"/>
+                </a:solidFill>
+                <a:effectLst/>
+                <a:uLnTx/>
+                <a:uFillTx/>
+                <a:latin typeface="Calibri" pitchFamily="34" charset="0"/>
+                <a:ea typeface="ＭＳ Ｐゴシック" pitchFamily="1" charset="-128"/>
+                <a:cs typeface="+mn-cs"/>
+              </a:rPr>
+              <a:pPr marL="0" marR="0" lvl="0" indent="0" algn="r" defTabSz="457200" rtl="0" eaLnBrk="1" fontAlgn="base" latinLnBrk="0" hangingPunct="1">
+                <a:lnSpc>
+                  <a:spcPct val="100000"/>
+                </a:lnSpc>
+                <a:spcBef>
+                  <a:spcPct val="0"/>
+                </a:spcBef>
+                <a:spcAft>
+                  <a:spcPct val="0"/>
+                </a:spcAft>
+                <a:buClrTx/>
+                <a:buSzTx/>
+                <a:buFontTx/>
+                <a:buNone/>
+                <a:tabLst/>
+                <a:defRPr/>
+              </a:pPr>
+              <a:t>5</a:t>
+            </a:fld>
+            <a:endParaRPr kumimoji="0" lang="en-US" sz="1200" b="0" i="0" u="none" strike="noStrike" kern="1200" cap="none" spc="0" normalizeH="0" baseline="0" noProof="0">
+              <a:ln>
+                <a:noFill/>
+              </a:ln>
+              <a:solidFill>
+                <a:prstClr val="black"/>
+              </a:solidFill>
+              <a:effectLst/>
+              <a:uLnTx/>
+              <a:uFillTx/>
+              <a:latin typeface="Calibri" pitchFamily="34" charset="0"/>
+              <a:ea typeface="ＭＳ Ｐゴシック" pitchFamily="1" charset="-128"/>
+              <a:cs typeface="+mn-cs"/>
+            </a:endParaRPr>
+          </a:p>
+        </p:txBody>
+      </p:sp>
+    </p:spTree>
+    <p:extLst>
+      <p:ext uri="{BB962C8B-B14F-4D97-AF65-F5344CB8AC3E}">
+        <p14:creationId xmlns:p14="http://schemas.microsoft.com/office/powerpoint/2010/main" val="1096951671"/>
+      </p:ext>
+    </p:extLst>
+  </p:cSld>
+  <p:clrMapOvr>
+    <a:masterClrMapping/>
+  </p:clrMapOvr>
+</p:notes>
+</file>
+
 <file path=ppt/slideLayouts/slideLayout1.xml><?xml version="1.0" encoding="utf-8"?>
 <p:sldLayout xmlns:a="http://schemas.openxmlformats.org/drawingml/2006/main" xmlns:r="http://schemas.openxmlformats.org/officeDocument/2006/relationships" xmlns:p="http://schemas.openxmlformats.org/presentationml/2006/main" type="title" preserve="1">
   <p:cSld name="Title Slide">
@@ -6100,7 +6279,7 @@
           <a:p>
             <a:fld id="{E60792E3-D524-454C-8AFD-A91972900BCB}" type="datetime1">
               <a:rPr lang="en-US" smtClean="0"/>
-              <a:t>28-Aug-24</a:t>
+              <a:t>13-Sep-24</a:t>
             </a:fld>
             <a:endParaRPr lang="en-US"/>
           </a:p>
@@ -6282,7 +6461,7 @@
           <a:p>
             <a:fld id="{053C3A68-6922-42D3-8905-ECC2D82A3469}" type="datetime1">
               <a:rPr lang="en-US" smtClean="0"/>
-              <a:t>28-Aug-24</a:t>
+              <a:t>13-Sep-24</a:t>
             </a:fld>
             <a:endParaRPr lang="en-US"/>
           </a:p>
@@ -6474,7 +6653,7 @@
           <a:p>
             <a:fld id="{CB69E9F4-7604-4950-A8B2-8ACDEDB1506E}" type="datetime1">
               <a:rPr lang="en-US" smtClean="0"/>
-              <a:t>28-Aug-24</a:t>
+              <a:t>13-Sep-24</a:t>
             </a:fld>
             <a:endParaRPr lang="en-US"/>
           </a:p>
@@ -6656,7 +6835,7 @@
           <a:p>
             <a:fld id="{708B7524-32A2-4C20-A58C-BC3BAA1042FC}" type="datetime1">
               <a:rPr lang="en-US" smtClean="0"/>
-              <a:t>28-Aug-24</a:t>
+              <a:t>13-Sep-24</a:t>
             </a:fld>
             <a:endParaRPr lang="en-US"/>
           </a:p>
@@ -6915,7 +7094,7 @@
           <a:p>
             <a:fld id="{1E994447-D6B2-43BB-A877-57F1A267B999}" type="datetime1">
               <a:rPr lang="en-US" smtClean="0"/>
-              <a:t>28-Aug-24</a:t>
+              <a:t>13-Sep-24</a:t>
             </a:fld>
             <a:endParaRPr lang="en-US"/>
           </a:p>
@@ -7214,7 +7393,7 @@
           <a:p>
             <a:fld id="{68920E16-BD35-483C-AA6B-346FC7E46DEA}" type="datetime1">
               <a:rPr lang="en-US" smtClean="0"/>
-              <a:t>28-Aug-24</a:t>
+              <a:t>13-Sep-24</a:t>
             </a:fld>
             <a:endParaRPr lang="en-US"/>
           </a:p>
@@ -7647,7 +7826,7 @@
           <a:p>
             <a:fld id="{2FEAC6F8-5103-4FC0-A69E-5C6AE6469DA8}" type="datetime1">
               <a:rPr lang="en-US" smtClean="0"/>
-              <a:t>28-Aug-24</a:t>
+              <a:t>13-Sep-24</a:t>
             </a:fld>
             <a:endParaRPr lang="en-US"/>
           </a:p>
@@ -7778,7 +7957,7 @@
           <a:p>
             <a:fld id="{C60C6921-0627-4C8F-83D5-0CF936D2FFDD}" type="datetime1">
               <a:rPr lang="en-US" smtClean="0"/>
-              <a:t>28-Aug-24</a:t>
+              <a:t>13-Sep-24</a:t>
             </a:fld>
             <a:endParaRPr lang="en-US"/>
           </a:p>
@@ -7887,7 +8066,7 @@
           <a:p>
             <a:fld id="{2FF08AD7-8103-40F8-983C-E2BA6BB9CBE0}" type="datetime1">
               <a:rPr lang="en-US" smtClean="0"/>
-              <a:t>28-Aug-24</a:t>
+              <a:t>13-Sep-24</a:t>
             </a:fld>
             <a:endParaRPr lang="en-US"/>
           </a:p>
@@ -8176,7 +8355,7 @@
           <a:p>
             <a:fld id="{DF8C06B4-9380-4A4D-AF49-A3596E17DAF5}" type="datetime1">
               <a:rPr lang="en-US" smtClean="0"/>
-              <a:t>28-Aug-24</a:t>
+              <a:t>13-Sep-24</a:t>
             </a:fld>
             <a:endParaRPr lang="en-US"/>
           </a:p>
@@ -8445,7 +8624,7 @@
           <a:p>
             <a:fld id="{EF7FDEF1-C582-4E22-9E77-D68326471F28}" type="datetime1">
               <a:rPr lang="en-US" smtClean="0"/>
-              <a:t>28-Aug-24</a:t>
+              <a:t>13-Sep-24</a:t>
             </a:fld>
             <a:endParaRPr lang="en-US"/>
           </a:p>
@@ -8688,7 +8867,7 @@
           <a:p>
             <a:fld id="{780A9602-A9A9-453F-AEF1-37B5837E02CD}" type="datetime1">
               <a:rPr lang="en-US" smtClean="0"/>
-              <a:t>28-Aug-24</a:t>
+              <a:t>13-Sep-24</a:t>
             </a:fld>
             <a:endParaRPr lang="en-US"/>
           </a:p>
@@ -10561,8 +10740,8 @@
         </p:nvSpPr>
         <p:spPr>
           <a:xfrm>
-            <a:off x="1857913" y="614133"/>
-            <a:ext cx="7548308" cy="807334"/>
+            <a:off x="2377343" y="445977"/>
+            <a:ext cx="6497417" cy="807334"/>
           </a:xfrm>
         </p:spPr>
         <p:txBody>
@@ -10571,7 +10750,7 @@
           <a:p>
             <a:r>
               <a:rPr lang="en-IN" b="1" dirty="0"/>
-              <a:t>Career Guidance through Machine Learning</a:t>
+              <a:t>Career Guidance through AI Matchmaking</a:t>
             </a:r>
           </a:p>
         </p:txBody>
@@ -10589,7 +10768,7 @@
           <p:nvPr>
             <p:extLst>
               <p:ext uri="{D42A27DB-BD31-4B8C-83A1-F6EECF244321}">
-                <p14:modId xmlns:p14="http://schemas.microsoft.com/office/powerpoint/2010/main" val="4010041394"/>
+                <p14:modId xmlns:p14="http://schemas.microsoft.com/office/powerpoint/2010/main" val="2917932827"/>
               </p:ext>
             </p:extLst>
           </p:nvPr>
@@ -10891,201 +11070,6 @@
       </p:grpSpPr>
       <p:sp>
         <p:nvSpPr>
-          <p:cNvPr id="25" name="Rectangle 24">
-            <a:extLst>
-              <a:ext uri="{FF2B5EF4-FFF2-40B4-BE49-F238E27FC236}">
-                <a16:creationId xmlns:a16="http://schemas.microsoft.com/office/drawing/2014/main" id="{E9EDBB86-141B-5D51-EBC6-26BA0C0D733A}"/>
-              </a:ext>
-            </a:extLst>
-          </p:cNvPr>
-          <p:cNvSpPr/>
-          <p:nvPr/>
-        </p:nvSpPr>
-        <p:spPr>
-          <a:xfrm>
-            <a:off x="9159905" y="1453650"/>
-            <a:ext cx="2054530" cy="4626879"/>
-          </a:xfrm>
-          <a:prstGeom prst="rect">
-            <a:avLst/>
-          </a:prstGeom>
-          <a:ln>
-            <a:noFill/>
-          </a:ln>
-          <a:effectLst>
-            <a:outerShdw blurRad="44450" dist="27940" dir="5400000" algn="ctr">
-              <a:srgbClr val="000000">
-                <a:alpha val="32000"/>
-              </a:srgbClr>
-            </a:outerShdw>
-          </a:effectLst>
-          <a:scene3d>
-            <a:camera prst="orthographicFront">
-              <a:rot lat="0" lon="0" rev="0"/>
-            </a:camera>
-            <a:lightRig rig="balanced" dir="t">
-              <a:rot lat="0" lon="0" rev="8700000"/>
-            </a:lightRig>
-          </a:scene3d>
-          <a:sp3d>
-            <a:bevelT w="190500" h="38100" prst="coolSlant"/>
-          </a:sp3d>
-        </p:spPr>
-        <p:style>
-          <a:lnRef idx="2">
-            <a:schemeClr val="accent1"/>
-          </a:lnRef>
-          <a:fillRef idx="1">
-            <a:schemeClr val="lt1"/>
-          </a:fillRef>
-          <a:effectRef idx="0">
-            <a:schemeClr val="accent1"/>
-          </a:effectRef>
-          <a:fontRef idx="minor">
-            <a:schemeClr val="dk1"/>
-          </a:fontRef>
-        </p:style>
-        <p:txBody>
-          <a:bodyPr rtlCol="0" anchor="ctr"/>
-          <a:lstStyle/>
-          <a:p>
-            <a:pPr algn="ctr"/>
-            <a:endParaRPr lang="en-IN" dirty="0"/>
-          </a:p>
-        </p:txBody>
-      </p:sp>
-      <p:sp>
-        <p:nvSpPr>
-          <p:cNvPr id="24" name="Rectangle 23">
-            <a:extLst>
-              <a:ext uri="{FF2B5EF4-FFF2-40B4-BE49-F238E27FC236}">
-                <a16:creationId xmlns:a16="http://schemas.microsoft.com/office/drawing/2014/main" id="{AD970AF8-CC22-37CE-F1F7-EFCA5F8E5EF2}"/>
-              </a:ext>
-            </a:extLst>
-          </p:cNvPr>
-          <p:cNvSpPr/>
-          <p:nvPr/>
-        </p:nvSpPr>
-        <p:spPr>
-          <a:xfrm>
-            <a:off x="6304747" y="1453650"/>
-            <a:ext cx="2054530" cy="4626879"/>
-          </a:xfrm>
-          <a:prstGeom prst="rect">
-            <a:avLst/>
-          </a:prstGeom>
-          <a:ln>
-            <a:noFill/>
-          </a:ln>
-          <a:effectLst>
-            <a:outerShdw blurRad="44450" dist="27940" dir="5400000" algn="ctr">
-              <a:srgbClr val="000000">
-                <a:alpha val="32000"/>
-              </a:srgbClr>
-            </a:outerShdw>
-          </a:effectLst>
-          <a:scene3d>
-            <a:camera prst="orthographicFront">
-              <a:rot lat="0" lon="0" rev="0"/>
-            </a:camera>
-            <a:lightRig rig="balanced" dir="t">
-              <a:rot lat="0" lon="0" rev="8700000"/>
-            </a:lightRig>
-          </a:scene3d>
-          <a:sp3d>
-            <a:bevelT w="190500" h="38100" prst="coolSlant"/>
-          </a:sp3d>
-        </p:spPr>
-        <p:style>
-          <a:lnRef idx="2">
-            <a:schemeClr val="accent1"/>
-          </a:lnRef>
-          <a:fillRef idx="1">
-            <a:schemeClr val="lt1"/>
-          </a:fillRef>
-          <a:effectRef idx="0">
-            <a:schemeClr val="accent1"/>
-          </a:effectRef>
-          <a:fontRef idx="minor">
-            <a:schemeClr val="dk1"/>
-          </a:fontRef>
-        </p:style>
-        <p:txBody>
-          <a:bodyPr rtlCol="0" anchor="ctr"/>
-          <a:lstStyle/>
-          <a:p>
-            <a:pPr algn="ctr"/>
-            <a:endParaRPr lang="en-IN" dirty="0"/>
-          </a:p>
-        </p:txBody>
-      </p:sp>
-      <p:sp>
-        <p:nvSpPr>
-          <p:cNvPr id="23" name="Rectangle 22">
-            <a:extLst>
-              <a:ext uri="{FF2B5EF4-FFF2-40B4-BE49-F238E27FC236}">
-                <a16:creationId xmlns:a16="http://schemas.microsoft.com/office/drawing/2014/main" id="{25AF100B-409C-76A7-464B-D9E44F8A07C7}"/>
-              </a:ext>
-            </a:extLst>
-          </p:cNvPr>
-          <p:cNvSpPr/>
-          <p:nvPr/>
-        </p:nvSpPr>
-        <p:spPr>
-          <a:xfrm>
-            <a:off x="3387160" y="1453649"/>
-            <a:ext cx="2054530" cy="4626879"/>
-          </a:xfrm>
-          <a:prstGeom prst="rect">
-            <a:avLst/>
-          </a:prstGeom>
-          <a:ln>
-            <a:noFill/>
-          </a:ln>
-          <a:effectLst>
-            <a:outerShdw blurRad="44450" dist="27940" dir="5400000" algn="ctr">
-              <a:srgbClr val="000000">
-                <a:alpha val="32000"/>
-              </a:srgbClr>
-            </a:outerShdw>
-          </a:effectLst>
-          <a:scene3d>
-            <a:camera prst="orthographicFront">
-              <a:rot lat="0" lon="0" rev="0"/>
-            </a:camera>
-            <a:lightRig rig="balanced" dir="t">
-              <a:rot lat="0" lon="0" rev="8700000"/>
-            </a:lightRig>
-          </a:scene3d>
-          <a:sp3d>
-            <a:bevelT w="190500" h="38100" prst="coolSlant"/>
-          </a:sp3d>
-        </p:spPr>
-        <p:style>
-          <a:lnRef idx="2">
-            <a:schemeClr val="accent1"/>
-          </a:lnRef>
-          <a:fillRef idx="1">
-            <a:schemeClr val="lt1"/>
-          </a:fillRef>
-          <a:effectRef idx="0">
-            <a:schemeClr val="accent1"/>
-          </a:effectRef>
-          <a:fontRef idx="minor">
-            <a:schemeClr val="dk1"/>
-          </a:fontRef>
-        </p:style>
-        <p:txBody>
-          <a:bodyPr rtlCol="0" anchor="ctr"/>
-          <a:lstStyle/>
-          <a:p>
-            <a:pPr algn="ctr"/>
-            <a:endParaRPr lang="en-IN" dirty="0"/>
-          </a:p>
-        </p:txBody>
-      </p:sp>
-      <p:sp>
-        <p:nvSpPr>
           <p:cNvPr id="10" name="Rectangle 9">
             <a:extLst>
               <a:ext uri="{FF2B5EF4-FFF2-40B4-BE49-F238E27FC236}">
@@ -11150,71 +11134,6 @@
       </p:sp>
       <p:sp>
         <p:nvSpPr>
-          <p:cNvPr id="16" name="Rectangle 15">
-            <a:extLst>
-              <a:ext uri="{FF2B5EF4-FFF2-40B4-BE49-F238E27FC236}">
-                <a16:creationId xmlns:a16="http://schemas.microsoft.com/office/drawing/2014/main" id="{DE7B8C98-FBCC-E2E6-C83B-E573295E56A0}"/>
-              </a:ext>
-            </a:extLst>
-          </p:cNvPr>
-          <p:cNvSpPr/>
-          <p:nvPr/>
-        </p:nvSpPr>
-        <p:spPr>
-          <a:xfrm>
-            <a:off x="499266" y="1453649"/>
-            <a:ext cx="2054530" cy="4626879"/>
-          </a:xfrm>
-          <a:prstGeom prst="rect">
-            <a:avLst/>
-          </a:prstGeom>
-          <a:ln>
-            <a:noFill/>
-          </a:ln>
-          <a:effectLst>
-            <a:outerShdw blurRad="44450" dist="27940" dir="5400000" algn="ctr">
-              <a:srgbClr val="000000">
-                <a:alpha val="32000"/>
-              </a:srgbClr>
-            </a:outerShdw>
-          </a:effectLst>
-          <a:scene3d>
-            <a:camera prst="orthographicFront">
-              <a:rot lat="0" lon="0" rev="0"/>
-            </a:camera>
-            <a:lightRig rig="balanced" dir="t">
-              <a:rot lat="0" lon="0" rev="8700000"/>
-            </a:lightRig>
-          </a:scene3d>
-          <a:sp3d>
-            <a:bevelT w="190500" h="38100" prst="coolSlant"/>
-          </a:sp3d>
-        </p:spPr>
-        <p:style>
-          <a:lnRef idx="2">
-            <a:schemeClr val="accent1"/>
-          </a:lnRef>
-          <a:fillRef idx="1">
-            <a:schemeClr val="lt1"/>
-          </a:fillRef>
-          <a:effectRef idx="0">
-            <a:schemeClr val="accent1"/>
-          </a:effectRef>
-          <a:fontRef idx="minor">
-            <a:schemeClr val="dk1"/>
-          </a:fontRef>
-        </p:style>
-        <p:txBody>
-          <a:bodyPr rtlCol="0" anchor="ctr"/>
-          <a:lstStyle/>
-          <a:p>
-            <a:pPr algn="ctr"/>
-            <a:endParaRPr lang="en-IN" sz="1200" dirty="0"/>
-          </a:p>
-        </p:txBody>
-      </p:sp>
-      <p:sp>
-        <p:nvSpPr>
           <p:cNvPr id="17409" name="Title 1"/>
           <p:cNvSpPr>
             <a:spLocks noGrp="1"/>
@@ -11225,7 +11144,7 @@
         </p:nvSpPr>
         <p:spPr>
           <a:xfrm>
-            <a:off x="329773" y="123233"/>
+            <a:off x="226903" y="123233"/>
             <a:ext cx="10972800" cy="1143000"/>
           </a:xfrm>
         </p:spPr>
@@ -11235,8 +11154,12 @@
           <a:p>
             <a:pPr eaLnBrk="1" hangingPunct="1"/>
             <a:r>
-              <a:rPr lang="en-IN" b="1" dirty="0"/>
-              <a:t>The Tech Behind Our Solution</a:t>
+              <a:rPr lang="en-IN" b="1" dirty="0">
+                <a:latin typeface="Times New Roman" panose="02020603050405020304" pitchFamily="18" charset="0"/>
+                <a:ea typeface="ＭＳ Ｐゴシック" pitchFamily="1" charset="-128"/>
+                <a:cs typeface="Times New Roman" panose="02020603050405020304" pitchFamily="18" charset="0"/>
+              </a:rPr>
+              <a:t>Technical Approach</a:t>
             </a:r>
             <a:endParaRPr lang="en-US" b="1" dirty="0">
               <a:latin typeface="Times New Roman" panose="02020603050405020304" pitchFamily="18" charset="0"/>
@@ -11342,447 +11265,6 @@
           <a:ln>
             <a:noFill/>
           </a:ln>
-        </p:spPr>
-      </p:pic>
-      <p:pic>
-        <p:nvPicPr>
-          <p:cNvPr id="2" name="Picture 1">
-            <a:extLst>
-              <a:ext uri="{FF2B5EF4-FFF2-40B4-BE49-F238E27FC236}">
-                <a16:creationId xmlns:a16="http://schemas.microsoft.com/office/drawing/2014/main" id="{5C5DBB47-0F96-ABE1-5229-05F550464C03}"/>
-              </a:ext>
-            </a:extLst>
-          </p:cNvPr>
-          <p:cNvPicPr>
-            <a:picLocks noChangeAspect="1"/>
-          </p:cNvPicPr>
-          <p:nvPr/>
-        </p:nvPicPr>
-        <p:blipFill>
-          <a:blip r:embed="rId4"/>
-          <a:stretch>
-            <a:fillRect/>
-          </a:stretch>
-        </p:blipFill>
-        <p:spPr>
-          <a:xfrm>
-            <a:off x="632316" y="1635698"/>
-            <a:ext cx="1929584" cy="807334"/>
-          </a:xfrm>
-          <a:prstGeom prst="rect">
-            <a:avLst/>
-          </a:prstGeom>
-        </p:spPr>
-      </p:pic>
-      <p:pic>
-        <p:nvPicPr>
-          <p:cNvPr id="3" name="Picture 2">
-            <a:extLst>
-              <a:ext uri="{FF2B5EF4-FFF2-40B4-BE49-F238E27FC236}">
-                <a16:creationId xmlns:a16="http://schemas.microsoft.com/office/drawing/2014/main" id="{3C5D72E6-7FED-4675-D540-89E33845F4CD}"/>
-              </a:ext>
-            </a:extLst>
-          </p:cNvPr>
-          <p:cNvPicPr>
-            <a:picLocks noChangeAspect="1"/>
-          </p:cNvPicPr>
-          <p:nvPr/>
-        </p:nvPicPr>
-        <p:blipFill>
-          <a:blip r:embed="rId5"/>
-          <a:stretch>
-            <a:fillRect/>
-          </a:stretch>
-        </p:blipFill>
-        <p:spPr>
-          <a:xfrm>
-            <a:off x="1201032" y="2532835"/>
-            <a:ext cx="761196" cy="660375"/>
-          </a:xfrm>
-          <a:prstGeom prst="rect">
-            <a:avLst/>
-          </a:prstGeom>
-        </p:spPr>
-      </p:pic>
-      <p:pic>
-        <p:nvPicPr>
-          <p:cNvPr id="4" name="Picture 3">
-            <a:extLst>
-              <a:ext uri="{FF2B5EF4-FFF2-40B4-BE49-F238E27FC236}">
-                <a16:creationId xmlns:a16="http://schemas.microsoft.com/office/drawing/2014/main" id="{11E52FDF-5665-7823-F4F2-9454E05D6EA1}"/>
-              </a:ext>
-            </a:extLst>
-          </p:cNvPr>
-          <p:cNvPicPr>
-            <a:picLocks noChangeAspect="1"/>
-          </p:cNvPicPr>
-          <p:nvPr/>
-        </p:nvPicPr>
-        <p:blipFill>
-          <a:blip r:embed="rId6"/>
-          <a:srcRect/>
-          <a:stretch/>
-        </p:blipFill>
-        <p:spPr>
-          <a:xfrm>
-            <a:off x="1218649" y="3796895"/>
-            <a:ext cx="725961" cy="442659"/>
-          </a:xfrm>
-          <a:prstGeom prst="rect">
-            <a:avLst/>
-          </a:prstGeom>
-        </p:spPr>
-      </p:pic>
-      <p:pic>
-        <p:nvPicPr>
-          <p:cNvPr id="9" name="Picture 8">
-            <a:extLst>
-              <a:ext uri="{FF2B5EF4-FFF2-40B4-BE49-F238E27FC236}">
-                <a16:creationId xmlns:a16="http://schemas.microsoft.com/office/drawing/2014/main" id="{9EE4953A-943B-B7AA-2280-F755080E55DF}"/>
-              </a:ext>
-            </a:extLst>
-          </p:cNvPr>
-          <p:cNvPicPr>
-            <a:picLocks noChangeAspect="1"/>
-          </p:cNvPicPr>
-          <p:nvPr/>
-        </p:nvPicPr>
-        <p:blipFill>
-          <a:blip r:embed="rId7"/>
-          <a:stretch>
-            <a:fillRect/>
-          </a:stretch>
-        </p:blipFill>
-        <p:spPr>
-          <a:xfrm>
-            <a:off x="3551367" y="1644401"/>
-            <a:ext cx="2054530" cy="859611"/>
-          </a:xfrm>
-          <a:prstGeom prst="rect">
-            <a:avLst/>
-          </a:prstGeom>
-        </p:spPr>
-      </p:pic>
-      <p:pic>
-        <p:nvPicPr>
-          <p:cNvPr id="12" name="Picture 11">
-            <a:extLst>
-              <a:ext uri="{FF2B5EF4-FFF2-40B4-BE49-F238E27FC236}">
-                <a16:creationId xmlns:a16="http://schemas.microsoft.com/office/drawing/2014/main" id="{C471E47E-F714-92D8-B457-56ACFE6F2207}"/>
-              </a:ext>
-            </a:extLst>
-          </p:cNvPr>
-          <p:cNvPicPr>
-            <a:picLocks noChangeAspect="1"/>
-          </p:cNvPicPr>
-          <p:nvPr/>
-        </p:nvPicPr>
-        <p:blipFill>
-          <a:blip r:embed="rId8"/>
-          <a:stretch>
-            <a:fillRect/>
-          </a:stretch>
-        </p:blipFill>
-        <p:spPr>
-          <a:xfrm>
-            <a:off x="4003471" y="2601739"/>
-            <a:ext cx="920576" cy="560881"/>
-          </a:xfrm>
-          <a:prstGeom prst="rect">
-            <a:avLst/>
-          </a:prstGeom>
-        </p:spPr>
-      </p:pic>
-      <p:pic>
-        <p:nvPicPr>
-          <p:cNvPr id="13" name="Picture 12">
-            <a:extLst>
-              <a:ext uri="{FF2B5EF4-FFF2-40B4-BE49-F238E27FC236}">
-                <a16:creationId xmlns:a16="http://schemas.microsoft.com/office/drawing/2014/main" id="{20F8BA8E-C820-A6FC-CC26-A88201E2EF62}"/>
-              </a:ext>
-            </a:extLst>
-          </p:cNvPr>
-          <p:cNvPicPr>
-            <a:picLocks noChangeAspect="1"/>
-          </p:cNvPicPr>
-          <p:nvPr/>
-        </p:nvPicPr>
-        <p:blipFill>
-          <a:blip r:embed="rId9"/>
-          <a:stretch>
-            <a:fillRect/>
-          </a:stretch>
-        </p:blipFill>
-        <p:spPr>
-          <a:xfrm>
-            <a:off x="4211446" y="3707984"/>
-            <a:ext cx="504625" cy="570650"/>
-          </a:xfrm>
-          <a:prstGeom prst="rect">
-            <a:avLst/>
-          </a:prstGeom>
-        </p:spPr>
-      </p:pic>
-      <p:pic>
-        <p:nvPicPr>
-          <p:cNvPr id="14" name="Picture 13">
-            <a:extLst>
-              <a:ext uri="{FF2B5EF4-FFF2-40B4-BE49-F238E27FC236}">
-                <a16:creationId xmlns:a16="http://schemas.microsoft.com/office/drawing/2014/main" id="{F6BF9FF5-7090-5BE5-1A5B-0AF9360AE70F}"/>
-              </a:ext>
-            </a:extLst>
-          </p:cNvPr>
-          <p:cNvPicPr>
-            <a:picLocks noChangeAspect="1"/>
-          </p:cNvPicPr>
-          <p:nvPr/>
-        </p:nvPicPr>
-        <p:blipFill>
-          <a:blip r:embed="rId10"/>
-          <a:stretch>
-            <a:fillRect/>
-          </a:stretch>
-        </p:blipFill>
-        <p:spPr>
-          <a:xfrm>
-            <a:off x="3881540" y="4845645"/>
-            <a:ext cx="1164437" cy="731583"/>
-          </a:xfrm>
-          <a:prstGeom prst="rect">
-            <a:avLst/>
-          </a:prstGeom>
-        </p:spPr>
-      </p:pic>
-      <p:pic>
-        <p:nvPicPr>
-          <p:cNvPr id="17" name="Picture 16">
-            <a:extLst>
-              <a:ext uri="{FF2B5EF4-FFF2-40B4-BE49-F238E27FC236}">
-                <a16:creationId xmlns:a16="http://schemas.microsoft.com/office/drawing/2014/main" id="{0CE59F79-0A7C-7EB0-6F5A-EC6F33AF6490}"/>
-              </a:ext>
-            </a:extLst>
-          </p:cNvPr>
-          <p:cNvPicPr>
-            <a:picLocks noChangeAspect="1"/>
-          </p:cNvPicPr>
-          <p:nvPr/>
-        </p:nvPicPr>
-        <p:blipFill>
-          <a:blip r:embed="rId11"/>
-          <a:stretch>
-            <a:fillRect/>
-          </a:stretch>
-        </p:blipFill>
-        <p:spPr>
-          <a:xfrm>
-            <a:off x="6996931" y="2592119"/>
-            <a:ext cx="761622" cy="761622"/>
-          </a:xfrm>
-          <a:prstGeom prst="rect">
-            <a:avLst/>
-          </a:prstGeom>
-        </p:spPr>
-      </p:pic>
-      <p:pic>
-        <p:nvPicPr>
-          <p:cNvPr id="18" name="Picture 17">
-            <a:extLst>
-              <a:ext uri="{FF2B5EF4-FFF2-40B4-BE49-F238E27FC236}">
-                <a16:creationId xmlns:a16="http://schemas.microsoft.com/office/drawing/2014/main" id="{58C4D508-2C84-AFAF-448D-B5540C086872}"/>
-              </a:ext>
-            </a:extLst>
-          </p:cNvPr>
-          <p:cNvPicPr>
-            <a:picLocks noChangeAspect="1"/>
-          </p:cNvPicPr>
-          <p:nvPr/>
-        </p:nvPicPr>
-        <p:blipFill>
-          <a:blip r:embed="rId12"/>
-          <a:stretch>
-            <a:fillRect/>
-          </a:stretch>
-        </p:blipFill>
-        <p:spPr>
-          <a:xfrm>
-            <a:off x="7069088" y="3735347"/>
-            <a:ext cx="617307" cy="660375"/>
-          </a:xfrm>
-          <a:prstGeom prst="rect">
-            <a:avLst/>
-          </a:prstGeom>
-        </p:spPr>
-      </p:pic>
-      <p:pic>
-        <p:nvPicPr>
-          <p:cNvPr id="19" name="Picture 18">
-            <a:extLst>
-              <a:ext uri="{FF2B5EF4-FFF2-40B4-BE49-F238E27FC236}">
-                <a16:creationId xmlns:a16="http://schemas.microsoft.com/office/drawing/2014/main" id="{0F5D83CC-C2CF-356E-C9BE-28AFBA733B2E}"/>
-              </a:ext>
-            </a:extLst>
-          </p:cNvPr>
-          <p:cNvPicPr>
-            <a:picLocks noChangeAspect="1"/>
-          </p:cNvPicPr>
-          <p:nvPr/>
-        </p:nvPicPr>
-        <p:blipFill>
-          <a:blip r:embed="rId13"/>
-          <a:stretch>
-            <a:fillRect/>
-          </a:stretch>
-        </p:blipFill>
-        <p:spPr>
-          <a:xfrm>
-            <a:off x="6816860" y="5034902"/>
-            <a:ext cx="1121761" cy="402371"/>
-          </a:xfrm>
-          <a:prstGeom prst="rect">
-            <a:avLst/>
-          </a:prstGeom>
-        </p:spPr>
-      </p:pic>
-      <p:pic>
-        <p:nvPicPr>
-          <p:cNvPr id="20" name="Picture 19">
-            <a:extLst>
-              <a:ext uri="{FF2B5EF4-FFF2-40B4-BE49-F238E27FC236}">
-                <a16:creationId xmlns:a16="http://schemas.microsoft.com/office/drawing/2014/main" id="{E0BF678D-5D56-4424-1A33-E90792FBC8DD}"/>
-              </a:ext>
-            </a:extLst>
-          </p:cNvPr>
-          <p:cNvPicPr>
-            <a:picLocks noChangeAspect="1"/>
-          </p:cNvPicPr>
-          <p:nvPr/>
-        </p:nvPicPr>
-        <p:blipFill>
-          <a:blip r:embed="rId14"/>
-          <a:stretch>
-            <a:fillRect/>
-          </a:stretch>
-        </p:blipFill>
-        <p:spPr>
-          <a:xfrm>
-            <a:off x="9471977" y="1594290"/>
-            <a:ext cx="3560373" cy="859611"/>
-          </a:xfrm>
-          <a:prstGeom prst="rect">
-            <a:avLst/>
-          </a:prstGeom>
-        </p:spPr>
-      </p:pic>
-      <p:pic>
-        <p:nvPicPr>
-          <p:cNvPr id="21" name="Picture 20">
-            <a:extLst>
-              <a:ext uri="{FF2B5EF4-FFF2-40B4-BE49-F238E27FC236}">
-                <a16:creationId xmlns:a16="http://schemas.microsoft.com/office/drawing/2014/main" id="{AA0F37FA-A634-313B-368E-35BF3F9DBE72}"/>
-              </a:ext>
-            </a:extLst>
-          </p:cNvPr>
-          <p:cNvPicPr>
-            <a:picLocks noChangeAspect="1"/>
-          </p:cNvPicPr>
-          <p:nvPr/>
-        </p:nvPicPr>
-        <p:blipFill>
-          <a:blip r:embed="rId15"/>
-          <a:stretch>
-            <a:fillRect/>
-          </a:stretch>
-        </p:blipFill>
-        <p:spPr>
-          <a:xfrm>
-            <a:off x="9699448" y="2528902"/>
-            <a:ext cx="975445" cy="585267"/>
-          </a:xfrm>
-          <a:prstGeom prst="rect">
-            <a:avLst/>
-          </a:prstGeom>
-        </p:spPr>
-      </p:pic>
-      <p:sp>
-        <p:nvSpPr>
-          <p:cNvPr id="26" name="TextBox 25">
-            <a:extLst>
-              <a:ext uri="{FF2B5EF4-FFF2-40B4-BE49-F238E27FC236}">
-                <a16:creationId xmlns:a16="http://schemas.microsoft.com/office/drawing/2014/main" id="{A558917F-AEC0-F382-0D62-02F3C41B180D}"/>
-              </a:ext>
-            </a:extLst>
-          </p:cNvPr>
-          <p:cNvSpPr txBox="1"/>
-          <p:nvPr/>
-        </p:nvSpPr>
-        <p:spPr>
-          <a:xfrm>
-            <a:off x="6725398" y="1635698"/>
-            <a:ext cx="1616149" cy="830997"/>
-          </a:xfrm>
-          <a:prstGeom prst="rect">
-            <a:avLst/>
-          </a:prstGeom>
-          <a:noFill/>
-        </p:spPr>
-        <p:txBody>
-          <a:bodyPr wrap="square" rtlCol="0">
-            <a:spAutoFit/>
-          </a:bodyPr>
-          <a:lstStyle/>
-          <a:p>
-            <a:r>
-              <a:rPr lang="en-IN" sz="2400" b="1" dirty="0"/>
-              <a:t>Machine Learning</a:t>
-            </a:r>
-          </a:p>
-        </p:txBody>
-      </p:sp>
-      <p:pic>
-        <p:nvPicPr>
-          <p:cNvPr id="1028" name="Picture 4" descr="Material-UI components in React Studio? - React Studio">
-            <a:extLst>
-              <a:ext uri="{FF2B5EF4-FFF2-40B4-BE49-F238E27FC236}">
-                <a16:creationId xmlns:a16="http://schemas.microsoft.com/office/drawing/2014/main" id="{2211192C-CE91-688C-FB8E-F9A44F20193C}"/>
-              </a:ext>
-            </a:extLst>
-          </p:cNvPr>
-          <p:cNvPicPr>
-            <a:picLocks noChangeAspect="1" noChangeArrowheads="1"/>
-          </p:cNvPicPr>
-          <p:nvPr/>
-        </p:nvPicPr>
-        <p:blipFill>
-          <a:blip r:embed="rId16">
-            <a:extLst>
-              <a:ext uri="{28A0092B-C50C-407E-A947-70E740481C1C}">
-                <a14:useLocalDpi xmlns:a14="http://schemas.microsoft.com/office/drawing/2010/main" val="0"/>
-              </a:ext>
-            </a:extLst>
-          </a:blip>
-          <a:srcRect/>
-          <a:stretch>
-            <a:fillRect/>
-          </a:stretch>
-        </p:blipFill>
-        <p:spPr bwMode="auto">
-          <a:xfrm>
-            <a:off x="1139059" y="4661130"/>
-            <a:ext cx="916098" cy="916098"/>
-          </a:xfrm>
-          <a:prstGeom prst="rect">
-            <a:avLst/>
-          </a:prstGeom>
-          <a:noFill/>
-          <a:extLst>
-            <a:ext uri="{909E8E84-426E-40DD-AFC4-6F175D3DCCD1}">
-              <a14:hiddenFill xmlns:a14="http://schemas.microsoft.com/office/drawing/2010/main">
-                <a:solidFill>
-                  <a:srgbClr val="FFFFFF"/>
-                </a:solidFill>
-              </a14:hiddenFill>
-            </a:ext>
-          </a:extLst>
         </p:spPr>
       </p:pic>
       <p:sp>
@@ -11987,6 +11469,703 @@
           </a:p>
         </p:txBody>
       </p:sp>
+      <p:sp>
+        <p:nvSpPr>
+          <p:cNvPr id="4" name="AutoShape 6" descr="A flowchart diagram illustrating the technical approach for an AI-based matchmaking application connecting graduates and companies. The flowchart should include the following components: 1. **Frontend**: React.js for the user interface, interacting with the API. 2. **Backend**: FastAPI as the Python framework, using Uvicorn as the ASGI interface, and Starlette for CORS middleware. 3. **Database**: PostgreSQL database with asyncpg connection to handle algorithms for fetching top users based on their performance and recommending job listings or courses. 4. **Algorithm**: AI-based matchmaking algorithm fetching user performance reports and recommending jobs and courses based on skills and grades. Include arrows to show data flow from companies creating job listings to graduates receiving recommendations.">
+            <a:extLst>
+              <a:ext uri="{FF2B5EF4-FFF2-40B4-BE49-F238E27FC236}">
+                <a16:creationId xmlns:a16="http://schemas.microsoft.com/office/drawing/2014/main" id="{AA41E102-8852-BC8F-D4F2-F9B245C607DF}"/>
+              </a:ext>
+            </a:extLst>
+          </p:cNvPr>
+          <p:cNvSpPr>
+            <a:spLocks noChangeAspect="1" noChangeArrowheads="1"/>
+          </p:cNvSpPr>
+          <p:nvPr/>
+        </p:nvSpPr>
+        <p:spPr bwMode="auto">
+          <a:xfrm>
+            <a:off x="7327618" y="4584690"/>
+            <a:ext cx="162169" cy="162169"/>
+          </a:xfrm>
+          <a:prstGeom prst="rect">
+            <a:avLst/>
+          </a:prstGeom>
+          <a:noFill/>
+          <a:extLst>
+            <a:ext uri="{909E8E84-426E-40DD-AFC4-6F175D3DCCD1}">
+              <a14:hiddenFill xmlns:a14="http://schemas.microsoft.com/office/drawing/2010/main">
+                <a:solidFill>
+                  <a:srgbClr val="FFFFFF"/>
+                </a:solidFill>
+              </a14:hiddenFill>
+            </a:ext>
+          </a:extLst>
+        </p:spPr>
+        <p:txBody>
+          <a:bodyPr vert="horz" wrap="square" lIns="91440" tIns="45720" rIns="91440" bIns="45720" numCol="1" anchor="t" anchorCtr="0" compatLnSpc="1">
+            <a:prstTxWarp prst="textNoShape">
+              <a:avLst/>
+            </a:prstTxWarp>
+          </a:bodyPr>
+          <a:lstStyle/>
+          <a:p>
+            <a:endParaRPr lang="en-IN"/>
+          </a:p>
+        </p:txBody>
+      </p:sp>
+      <p:sp>
+        <p:nvSpPr>
+          <p:cNvPr id="5" name="Rectangle 4">
+            <a:extLst>
+              <a:ext uri="{FF2B5EF4-FFF2-40B4-BE49-F238E27FC236}">
+                <a16:creationId xmlns:a16="http://schemas.microsoft.com/office/drawing/2014/main" id="{01F67F78-9575-28D8-1226-F421D50D6D6F}"/>
+              </a:ext>
+            </a:extLst>
+          </p:cNvPr>
+          <p:cNvSpPr/>
+          <p:nvPr/>
+        </p:nvSpPr>
+        <p:spPr>
+          <a:xfrm>
+            <a:off x="140703" y="1168843"/>
+            <a:ext cx="6652844" cy="4448989"/>
+          </a:xfrm>
+          <a:prstGeom prst="rect">
+            <a:avLst/>
+          </a:prstGeom>
+          <a:solidFill>
+            <a:schemeClr val="tx2">
+              <a:lumMod val="40000"/>
+              <a:lumOff val="60000"/>
+            </a:schemeClr>
+          </a:solidFill>
+          <a:ln>
+            <a:noFill/>
+          </a:ln>
+        </p:spPr>
+        <p:style>
+          <a:lnRef idx="1">
+            <a:schemeClr val="accent1"/>
+          </a:lnRef>
+          <a:fillRef idx="3">
+            <a:schemeClr val="accent1"/>
+          </a:fillRef>
+          <a:effectRef idx="2">
+            <a:schemeClr val="accent1"/>
+          </a:effectRef>
+          <a:fontRef idx="minor">
+            <a:schemeClr val="lt1"/>
+          </a:fontRef>
+        </p:style>
+        <p:txBody>
+          <a:bodyPr rtlCol="0" anchor="ctr"/>
+          <a:lstStyle/>
+          <a:p>
+            <a:pPr algn="ctr"/>
+            <a:endParaRPr lang="en-IN" dirty="0"/>
+          </a:p>
+        </p:txBody>
+      </p:sp>
+      <p:sp>
+        <p:nvSpPr>
+          <p:cNvPr id="9" name="Rectangle 8">
+            <a:extLst>
+              <a:ext uri="{FF2B5EF4-FFF2-40B4-BE49-F238E27FC236}">
+                <a16:creationId xmlns:a16="http://schemas.microsoft.com/office/drawing/2014/main" id="{E3C8B49E-CB14-EADA-617C-B4207B6A8D4B}"/>
+              </a:ext>
+            </a:extLst>
+          </p:cNvPr>
+          <p:cNvSpPr/>
+          <p:nvPr/>
+        </p:nvSpPr>
+        <p:spPr>
+          <a:xfrm>
+            <a:off x="6935305" y="1168843"/>
+            <a:ext cx="5095667" cy="4448989"/>
+          </a:xfrm>
+          <a:prstGeom prst="rect">
+            <a:avLst/>
+          </a:prstGeom>
+          <a:solidFill>
+            <a:schemeClr val="tx2">
+              <a:lumMod val="40000"/>
+              <a:lumOff val="60000"/>
+            </a:schemeClr>
+          </a:solidFill>
+          <a:ln>
+            <a:noFill/>
+          </a:ln>
+        </p:spPr>
+        <p:style>
+          <a:lnRef idx="1">
+            <a:schemeClr val="accent1"/>
+          </a:lnRef>
+          <a:fillRef idx="3">
+            <a:schemeClr val="accent1"/>
+          </a:fillRef>
+          <a:effectRef idx="2">
+            <a:schemeClr val="accent1"/>
+          </a:effectRef>
+          <a:fontRef idx="minor">
+            <a:schemeClr val="lt1"/>
+          </a:fontRef>
+        </p:style>
+        <p:txBody>
+          <a:bodyPr rtlCol="0" anchor="ctr"/>
+          <a:lstStyle/>
+          <a:p>
+            <a:pPr algn="ctr"/>
+            <a:endParaRPr lang="en-IN" dirty="0"/>
+          </a:p>
+        </p:txBody>
+      </p:sp>
+      <p:pic>
+        <p:nvPicPr>
+          <p:cNvPr id="11" name="Picture 8">
+            <a:extLst>
+              <a:ext uri="{FF2B5EF4-FFF2-40B4-BE49-F238E27FC236}">
+                <a16:creationId xmlns:a16="http://schemas.microsoft.com/office/drawing/2014/main" id="{76EA5B8C-E8A5-43F9-3329-221386C96B2C}"/>
+              </a:ext>
+            </a:extLst>
+          </p:cNvPr>
+          <p:cNvPicPr>
+            <a:picLocks noChangeAspect="1" noChangeArrowheads="1"/>
+          </p:cNvPicPr>
+          <p:nvPr/>
+        </p:nvPicPr>
+        <p:blipFill>
+          <a:blip r:embed="rId4">
+            <a:extLst>
+              <a:ext uri="{28A0092B-C50C-407E-A947-70E740481C1C}">
+                <a14:useLocalDpi xmlns:a14="http://schemas.microsoft.com/office/drawing/2010/main" val="0"/>
+              </a:ext>
+            </a:extLst>
+          </a:blip>
+          <a:srcRect/>
+          <a:stretch>
+            <a:fillRect/>
+          </a:stretch>
+        </p:blipFill>
+        <p:spPr bwMode="auto">
+          <a:xfrm>
+            <a:off x="3329488" y="1307510"/>
+            <a:ext cx="3408112" cy="3714493"/>
+          </a:xfrm>
+          <a:prstGeom prst="rect">
+            <a:avLst/>
+          </a:prstGeom>
+          <a:noFill/>
+          <a:extLst>
+            <a:ext uri="{909E8E84-426E-40DD-AFC4-6F175D3DCCD1}">
+              <a14:hiddenFill xmlns:a14="http://schemas.microsoft.com/office/drawing/2010/main">
+                <a:solidFill>
+                  <a:srgbClr val="FFFFFF"/>
+                </a:solidFill>
+              </a14:hiddenFill>
+            </a:ext>
+          </a:extLst>
+        </p:spPr>
+      </p:pic>
+      <p:sp>
+        <p:nvSpPr>
+          <p:cNvPr id="12" name="TextBox 11">
+            <a:extLst>
+              <a:ext uri="{FF2B5EF4-FFF2-40B4-BE49-F238E27FC236}">
+                <a16:creationId xmlns:a16="http://schemas.microsoft.com/office/drawing/2014/main" id="{55D62EC6-7578-1D3C-20E4-2DA036F7F17D}"/>
+              </a:ext>
+            </a:extLst>
+          </p:cNvPr>
+          <p:cNvSpPr txBox="1"/>
+          <p:nvPr/>
+        </p:nvSpPr>
+        <p:spPr>
+          <a:xfrm>
+            <a:off x="447199" y="1286872"/>
+            <a:ext cx="2848183" cy="1077218"/>
+          </a:xfrm>
+          <a:prstGeom prst="rect">
+            <a:avLst/>
+          </a:prstGeom>
+          <a:noFill/>
+        </p:spPr>
+        <p:txBody>
+          <a:bodyPr wrap="square" rtlCol="0">
+            <a:spAutoFit/>
+          </a:bodyPr>
+          <a:lstStyle/>
+          <a:p>
+            <a:r>
+              <a:rPr lang="en-US" sz="3200" dirty="0">
+                <a:latin typeface="Berlin Sans FB" panose="020E0602020502020306" pitchFamily="34" charset="0"/>
+              </a:rPr>
+              <a:t>Full stack Application</a:t>
+            </a:r>
+            <a:endParaRPr lang="en-IN" sz="3200" dirty="0">
+              <a:latin typeface="Berlin Sans FB" panose="020E0602020502020306" pitchFamily="34" charset="0"/>
+            </a:endParaRPr>
+          </a:p>
+        </p:txBody>
+      </p:sp>
+      <p:sp>
+        <p:nvSpPr>
+          <p:cNvPr id="2" name="TextBox 1">
+            <a:extLst>
+              <a:ext uri="{FF2B5EF4-FFF2-40B4-BE49-F238E27FC236}">
+                <a16:creationId xmlns:a16="http://schemas.microsoft.com/office/drawing/2014/main" id="{0ABD8E87-D1D1-49D8-B82C-DBB76EC30837}"/>
+              </a:ext>
+            </a:extLst>
+          </p:cNvPr>
+          <p:cNvSpPr txBox="1"/>
+          <p:nvPr/>
+        </p:nvSpPr>
+        <p:spPr>
+          <a:xfrm>
+            <a:off x="474728" y="2425498"/>
+            <a:ext cx="2975968" cy="3247043"/>
+          </a:xfrm>
+          <a:prstGeom prst="rect">
+            <a:avLst/>
+          </a:prstGeom>
+          <a:noFill/>
+        </p:spPr>
+        <p:txBody>
+          <a:bodyPr wrap="square" rtlCol="0">
+            <a:spAutoFit/>
+          </a:bodyPr>
+          <a:lstStyle/>
+          <a:p>
+            <a:pPr marL="285750" indent="-285750">
+              <a:buFontTx/>
+              <a:buChar char="-"/>
+            </a:pPr>
+            <a:r>
+              <a:rPr lang="en-US" sz="1900" dirty="0" err="1">
+                <a:latin typeface="Century" panose="02040604050505020304" pitchFamily="18" charset="0"/>
+              </a:rPr>
+              <a:t>Reactjs</a:t>
+            </a:r>
+            <a:r>
+              <a:rPr lang="en-US" sz="1900" dirty="0">
+                <a:latin typeface="Century" panose="02040604050505020304" pitchFamily="18" charset="0"/>
+              </a:rPr>
+              <a:t> Frontend (</a:t>
+            </a:r>
+            <a:r>
+              <a:rPr lang="en-US" sz="1900" u="sng" dirty="0" err="1">
+                <a:latin typeface="Century" panose="02040604050505020304" pitchFamily="18" charset="0"/>
+              </a:rPr>
+              <a:t>Javascript</a:t>
+            </a:r>
+            <a:r>
+              <a:rPr lang="en-US" sz="1900" dirty="0">
+                <a:latin typeface="Century" panose="02040604050505020304" pitchFamily="18" charset="0"/>
+              </a:rPr>
+              <a:t>)</a:t>
+            </a:r>
+          </a:p>
+          <a:p>
+            <a:pPr marL="285750" indent="-285750">
+              <a:buFontTx/>
+              <a:buChar char="-"/>
+            </a:pPr>
+            <a:r>
+              <a:rPr lang="en-US" sz="1900" dirty="0" err="1">
+                <a:latin typeface="Century" panose="02040604050505020304" pitchFamily="18" charset="0"/>
+              </a:rPr>
+              <a:t>FastApi</a:t>
+            </a:r>
+            <a:r>
+              <a:rPr lang="en-US" sz="1900" dirty="0">
+                <a:latin typeface="Century" panose="02040604050505020304" pitchFamily="18" charset="0"/>
+              </a:rPr>
+              <a:t> Backend</a:t>
+            </a:r>
+            <a:br>
+              <a:rPr lang="en-US" sz="1900" dirty="0">
+                <a:latin typeface="Century" panose="02040604050505020304" pitchFamily="18" charset="0"/>
+              </a:rPr>
+            </a:br>
+            <a:r>
+              <a:rPr lang="en-US" sz="1900" dirty="0">
+                <a:latin typeface="Century" panose="02040604050505020304" pitchFamily="18" charset="0"/>
+              </a:rPr>
+              <a:t>(</a:t>
+            </a:r>
+            <a:r>
+              <a:rPr lang="en-US" sz="1900" u="sng" dirty="0">
+                <a:latin typeface="Century" panose="02040604050505020304" pitchFamily="18" charset="0"/>
+              </a:rPr>
+              <a:t>Python</a:t>
+            </a:r>
+            <a:r>
+              <a:rPr lang="en-US" sz="1900" dirty="0">
+                <a:latin typeface="Century" panose="02040604050505020304" pitchFamily="18" charset="0"/>
+              </a:rPr>
+              <a:t>)</a:t>
+            </a:r>
+            <a:br>
+              <a:rPr lang="en-US" sz="1900" dirty="0">
+                <a:latin typeface="Century" panose="02040604050505020304" pitchFamily="18" charset="0"/>
+              </a:rPr>
+            </a:br>
+            <a:r>
+              <a:rPr lang="en-US" sz="1900" dirty="0">
+                <a:latin typeface="Century" panose="02040604050505020304" pitchFamily="18" charset="0"/>
+              </a:rPr>
+              <a:t>- </a:t>
+            </a:r>
+            <a:r>
+              <a:rPr lang="en-US" sz="1900" dirty="0" err="1">
+                <a:latin typeface="Century" panose="02040604050505020304" pitchFamily="18" charset="0"/>
+              </a:rPr>
+              <a:t>Starlette</a:t>
+            </a:r>
+            <a:r>
+              <a:rPr lang="en-US" sz="1900" dirty="0">
+                <a:latin typeface="Century" panose="02040604050505020304" pitchFamily="18" charset="0"/>
+              </a:rPr>
+              <a:t> Middleware</a:t>
+            </a:r>
+          </a:p>
+          <a:p>
+            <a:pPr marL="285750" indent="-285750">
+              <a:buFontTx/>
+              <a:buChar char="-"/>
+            </a:pPr>
+            <a:r>
+              <a:rPr lang="en-US" sz="1900" dirty="0" err="1">
+                <a:latin typeface="Century" panose="02040604050505020304" pitchFamily="18" charset="0"/>
+              </a:rPr>
+              <a:t>Postgresql</a:t>
+            </a:r>
+            <a:r>
+              <a:rPr lang="en-US" sz="1900" dirty="0">
+                <a:latin typeface="Century" panose="02040604050505020304" pitchFamily="18" charset="0"/>
+              </a:rPr>
+              <a:t> Database</a:t>
+            </a:r>
+            <a:endParaRPr lang="en-IN" sz="1900" dirty="0">
+              <a:latin typeface="Century" panose="02040604050505020304" pitchFamily="18" charset="0"/>
+            </a:endParaRPr>
+          </a:p>
+          <a:p>
+            <a:pPr marL="285750" indent="-285750">
+              <a:buFontTx/>
+              <a:buChar char="-"/>
+            </a:pPr>
+            <a:endParaRPr lang="en-IN" b="1" dirty="0">
+              <a:latin typeface="Century" panose="02040604050505020304" pitchFamily="18" charset="0"/>
+            </a:endParaRPr>
+          </a:p>
+          <a:p>
+            <a:r>
+              <a:rPr lang="en-IN" b="1" dirty="0">
+                <a:latin typeface="Century" panose="02040604050505020304" pitchFamily="18" charset="0"/>
+              </a:rPr>
+              <a:t>Built asynchronously and fully scalable on the ASGI interface.</a:t>
+            </a:r>
+          </a:p>
+        </p:txBody>
+      </p:sp>
+      <p:pic>
+        <p:nvPicPr>
+          <p:cNvPr id="2050" name="Picture 2" descr="React (JavaScript library) - Wikipedia">
+            <a:extLst>
+              <a:ext uri="{FF2B5EF4-FFF2-40B4-BE49-F238E27FC236}">
+                <a16:creationId xmlns:a16="http://schemas.microsoft.com/office/drawing/2014/main" id="{91D3748A-107A-AD78-1606-35EA614BE8B0}"/>
+              </a:ext>
+            </a:extLst>
+          </p:cNvPr>
+          <p:cNvPicPr>
+            <a:picLocks noChangeAspect="1" noChangeArrowheads="1"/>
+          </p:cNvPicPr>
+          <p:nvPr/>
+        </p:nvPicPr>
+        <p:blipFill>
+          <a:blip r:embed="rId5">
+            <a:extLst>
+              <a:ext uri="{28A0092B-C50C-407E-A947-70E740481C1C}">
+                <a14:useLocalDpi xmlns:a14="http://schemas.microsoft.com/office/drawing/2010/main" val="0"/>
+              </a:ext>
+            </a:extLst>
+          </a:blip>
+          <a:srcRect/>
+          <a:stretch>
+            <a:fillRect/>
+          </a:stretch>
+        </p:blipFill>
+        <p:spPr bwMode="auto">
+          <a:xfrm>
+            <a:off x="4783408" y="5099888"/>
+            <a:ext cx="544299" cy="497261"/>
+          </a:xfrm>
+          <a:prstGeom prst="rect">
+            <a:avLst/>
+          </a:prstGeom>
+          <a:noFill/>
+          <a:extLst>
+            <a:ext uri="{909E8E84-426E-40DD-AFC4-6F175D3DCCD1}">
+              <a14:hiddenFill xmlns:a14="http://schemas.microsoft.com/office/drawing/2010/main">
+                <a:solidFill>
+                  <a:srgbClr val="FFFFFF"/>
+                </a:solidFill>
+              </a14:hiddenFill>
+            </a:ext>
+          </a:extLst>
+        </p:spPr>
+      </p:pic>
+      <p:pic>
+        <p:nvPicPr>
+          <p:cNvPr id="2052" name="Picture 4" descr="Fastapi Vector Logo - Download Free SVG ...">
+            <a:extLst>
+              <a:ext uri="{FF2B5EF4-FFF2-40B4-BE49-F238E27FC236}">
+                <a16:creationId xmlns:a16="http://schemas.microsoft.com/office/drawing/2014/main" id="{AA66B16D-658C-1CDB-E89E-309D6383897F}"/>
+              </a:ext>
+            </a:extLst>
+          </p:cNvPr>
+          <p:cNvPicPr>
+            <a:picLocks noChangeAspect="1" noChangeArrowheads="1"/>
+          </p:cNvPicPr>
+          <p:nvPr/>
+        </p:nvPicPr>
+        <p:blipFill>
+          <a:blip r:embed="rId6">
+            <a:extLst>
+              <a:ext uri="{28A0092B-C50C-407E-A947-70E740481C1C}">
+                <a14:useLocalDpi xmlns:a14="http://schemas.microsoft.com/office/drawing/2010/main" val="0"/>
+              </a:ext>
+            </a:extLst>
+          </a:blip>
+          <a:srcRect/>
+          <a:stretch>
+            <a:fillRect/>
+          </a:stretch>
+        </p:blipFill>
+        <p:spPr bwMode="auto">
+          <a:xfrm>
+            <a:off x="5495213" y="5059708"/>
+            <a:ext cx="537441" cy="537441"/>
+          </a:xfrm>
+          <a:prstGeom prst="rect">
+            <a:avLst/>
+          </a:prstGeom>
+          <a:noFill/>
+          <a:extLst>
+            <a:ext uri="{909E8E84-426E-40DD-AFC4-6F175D3DCCD1}">
+              <a14:hiddenFill xmlns:a14="http://schemas.microsoft.com/office/drawing/2010/main">
+                <a:solidFill>
+                  <a:srgbClr val="FFFFFF"/>
+                </a:solidFill>
+              </a14:hiddenFill>
+            </a:ext>
+          </a:extLst>
+        </p:spPr>
+      </p:pic>
+      <p:pic>
+        <p:nvPicPr>
+          <p:cNvPr id="2054" name="Picture 6" descr="PostgreSQL - Wikipedia">
+            <a:extLst>
+              <a:ext uri="{FF2B5EF4-FFF2-40B4-BE49-F238E27FC236}">
+                <a16:creationId xmlns:a16="http://schemas.microsoft.com/office/drawing/2014/main" id="{06F5234E-762C-22EB-20A9-B77D41BCFE2B}"/>
+              </a:ext>
+            </a:extLst>
+          </p:cNvPr>
+          <p:cNvPicPr>
+            <a:picLocks noChangeAspect="1" noChangeArrowheads="1"/>
+          </p:cNvPicPr>
+          <p:nvPr/>
+        </p:nvPicPr>
+        <p:blipFill>
+          <a:blip r:embed="rId7">
+            <a:extLst>
+              <a:ext uri="{28A0092B-C50C-407E-A947-70E740481C1C}">
+                <a14:useLocalDpi xmlns:a14="http://schemas.microsoft.com/office/drawing/2010/main" val="0"/>
+              </a:ext>
+            </a:extLst>
+          </a:blip>
+          <a:srcRect/>
+          <a:stretch>
+            <a:fillRect/>
+          </a:stretch>
+        </p:blipFill>
+        <p:spPr bwMode="auto">
+          <a:xfrm>
+            <a:off x="6200159" y="5042685"/>
+            <a:ext cx="537441" cy="554464"/>
+          </a:xfrm>
+          <a:prstGeom prst="rect">
+            <a:avLst/>
+          </a:prstGeom>
+          <a:noFill/>
+          <a:extLst>
+            <a:ext uri="{909E8E84-426E-40DD-AFC4-6F175D3DCCD1}">
+              <a14:hiddenFill xmlns:a14="http://schemas.microsoft.com/office/drawing/2010/main">
+                <a:solidFill>
+                  <a:srgbClr val="FFFFFF"/>
+                </a:solidFill>
+              </a14:hiddenFill>
+            </a:ext>
+          </a:extLst>
+        </p:spPr>
+      </p:pic>
+      <p:pic>
+        <p:nvPicPr>
+          <p:cNvPr id="2056" name="Picture 8" descr="JavaScript vs. Python: Which Should ...">
+            <a:extLst>
+              <a:ext uri="{FF2B5EF4-FFF2-40B4-BE49-F238E27FC236}">
+                <a16:creationId xmlns:a16="http://schemas.microsoft.com/office/drawing/2014/main" id="{B3E5D643-0389-E1D1-9C69-ACF38DBEEEF0}"/>
+              </a:ext>
+            </a:extLst>
+          </p:cNvPr>
+          <p:cNvPicPr>
+            <a:picLocks noChangeAspect="1" noChangeArrowheads="1"/>
+          </p:cNvPicPr>
+          <p:nvPr/>
+        </p:nvPicPr>
+        <p:blipFill rotWithShape="1">
+          <a:blip r:embed="rId8">
+            <a:extLst>
+              <a:ext uri="{28A0092B-C50C-407E-A947-70E740481C1C}">
+                <a14:useLocalDpi xmlns:a14="http://schemas.microsoft.com/office/drawing/2010/main" val="0"/>
+              </a:ext>
+            </a:extLst>
+          </a:blip>
+          <a:srcRect r="48382"/>
+          <a:stretch/>
+        </p:blipFill>
+        <p:spPr bwMode="auto">
+          <a:xfrm>
+            <a:off x="3450697" y="5099889"/>
+            <a:ext cx="499004" cy="497260"/>
+          </a:xfrm>
+          <a:prstGeom prst="rect">
+            <a:avLst/>
+          </a:prstGeom>
+          <a:noFill/>
+          <a:extLst>
+            <a:ext uri="{909E8E84-426E-40DD-AFC4-6F175D3DCCD1}">
+              <a14:hiddenFill xmlns:a14="http://schemas.microsoft.com/office/drawing/2010/main">
+                <a:solidFill>
+                  <a:srgbClr val="FFFFFF"/>
+                </a:solidFill>
+              </a14:hiddenFill>
+            </a:ext>
+          </a:extLst>
+        </p:spPr>
+      </p:pic>
+      <p:pic>
+        <p:nvPicPr>
+          <p:cNvPr id="16" name="Picture 15">
+            <a:extLst>
+              <a:ext uri="{FF2B5EF4-FFF2-40B4-BE49-F238E27FC236}">
+                <a16:creationId xmlns:a16="http://schemas.microsoft.com/office/drawing/2014/main" id="{E295AA6E-0786-1EA0-C56A-5E90B1D87BA5}"/>
+              </a:ext>
+            </a:extLst>
+          </p:cNvPr>
+          <p:cNvPicPr>
+            <a:picLocks noChangeAspect="1"/>
+          </p:cNvPicPr>
+          <p:nvPr/>
+        </p:nvPicPr>
+        <p:blipFill>
+          <a:blip r:embed="rId9"/>
+          <a:stretch>
+            <a:fillRect/>
+          </a:stretch>
+        </p:blipFill>
+        <p:spPr>
+          <a:xfrm>
+            <a:off x="7129099" y="1915135"/>
+            <a:ext cx="4790098" cy="3548272"/>
+          </a:xfrm>
+          <a:prstGeom prst="rect">
+            <a:avLst/>
+          </a:prstGeom>
+        </p:spPr>
+      </p:pic>
+      <p:sp>
+        <p:nvSpPr>
+          <p:cNvPr id="17" name="TextBox 16">
+            <a:extLst>
+              <a:ext uri="{FF2B5EF4-FFF2-40B4-BE49-F238E27FC236}">
+                <a16:creationId xmlns:a16="http://schemas.microsoft.com/office/drawing/2014/main" id="{9C66D5D3-D968-4880-7C16-5E4A0BED0A27}"/>
+              </a:ext>
+            </a:extLst>
+          </p:cNvPr>
+          <p:cNvSpPr txBox="1"/>
+          <p:nvPr/>
+        </p:nvSpPr>
+        <p:spPr>
+          <a:xfrm>
+            <a:off x="7808506" y="1230451"/>
+            <a:ext cx="3055645" cy="584775"/>
+          </a:xfrm>
+          <a:prstGeom prst="rect">
+            <a:avLst/>
+          </a:prstGeom>
+          <a:noFill/>
+        </p:spPr>
+        <p:txBody>
+          <a:bodyPr wrap="none" rtlCol="0">
+            <a:spAutoFit/>
+          </a:bodyPr>
+          <a:lstStyle/>
+          <a:p>
+            <a:r>
+              <a:rPr lang="en-IN" sz="3200" dirty="0">
+                <a:latin typeface="Berlin Sans FB" panose="020E0602020502020306" pitchFamily="34" charset="0"/>
+              </a:rPr>
+              <a:t>Database Design</a:t>
+            </a:r>
+          </a:p>
+        </p:txBody>
+      </p:sp>
+      <p:pic>
+        <p:nvPicPr>
+          <p:cNvPr id="3" name="Picture 8" descr="JavaScript vs. Python: Which Should ...">
+            <a:extLst>
+              <a:ext uri="{FF2B5EF4-FFF2-40B4-BE49-F238E27FC236}">
+                <a16:creationId xmlns:a16="http://schemas.microsoft.com/office/drawing/2014/main" id="{ECCF2C44-D451-BD4F-4762-AC7668206F21}"/>
+              </a:ext>
+            </a:extLst>
+          </p:cNvPr>
+          <p:cNvPicPr>
+            <a:picLocks noChangeAspect="1" noChangeArrowheads="1"/>
+          </p:cNvPicPr>
+          <p:nvPr/>
+        </p:nvPicPr>
+        <p:blipFill rotWithShape="1">
+          <a:blip r:embed="rId8">
+            <a:extLst>
+              <a:ext uri="{28A0092B-C50C-407E-A947-70E740481C1C}">
+                <a14:useLocalDpi xmlns:a14="http://schemas.microsoft.com/office/drawing/2010/main" val="0"/>
+              </a:ext>
+            </a:extLst>
+          </a:blip>
+          <a:srcRect l="52056" t="2323" r="-1397" b="-2323"/>
+          <a:stretch/>
+        </p:blipFill>
+        <p:spPr bwMode="auto">
+          <a:xfrm>
+            <a:off x="4117207" y="5077263"/>
+            <a:ext cx="498695" cy="519886"/>
+          </a:xfrm>
+          <a:prstGeom prst="rect">
+            <a:avLst/>
+          </a:prstGeom>
+          <a:noFill/>
+          <a:extLst>
+            <a:ext uri="{909E8E84-426E-40DD-AFC4-6F175D3DCCD1}">
+              <a14:hiddenFill xmlns:a14="http://schemas.microsoft.com/office/drawing/2010/main">
+                <a:solidFill>
+                  <a:srgbClr val="FFFFFF"/>
+                </a:solidFill>
+              </a14:hiddenFill>
+            </a:ext>
+          </a:extLst>
+        </p:spPr>
+      </p:pic>
     </p:spTree>
   </p:cSld>
   <p:clrMapOvr>
@@ -12093,582 +12272,6 @@
       </p:sp>
       <p:sp>
         <p:nvSpPr>
-          <p:cNvPr id="17409" name="Title 1"/>
-          <p:cNvSpPr>
-            <a:spLocks noGrp="1"/>
-          </p:cNvSpPr>
-          <p:nvPr>
-            <p:ph type="title"/>
-          </p:nvPr>
-        </p:nvSpPr>
-        <p:spPr>
-          <a:xfrm>
-            <a:off x="7852200" y="2068256"/>
-            <a:ext cx="3470779" cy="764808"/>
-          </a:xfrm>
-        </p:spPr>
-        <p:txBody>
-          <a:bodyPr/>
-          <a:lstStyle/>
-          <a:p>
-            <a:pPr eaLnBrk="1" hangingPunct="1"/>
-            <a:r>
-              <a:rPr lang="en-US" sz="2800" b="1" dirty="0">
-                <a:latin typeface="Times New Roman" panose="02020603050405020304" pitchFamily="18" charset="0"/>
-                <a:ea typeface="ＭＳ Ｐゴシック" pitchFamily="1" charset="-128"/>
-                <a:cs typeface="Times New Roman" panose="02020603050405020304" pitchFamily="18" charset="0"/>
-              </a:rPr>
-              <a:t>RESEARCH  AND REFERENCES</a:t>
-            </a:r>
-          </a:p>
-        </p:txBody>
-      </p:sp>
-      <p:sp>
-        <p:nvSpPr>
-          <p:cNvPr id="17410" name="TextBox 8"/>
-          <p:cNvSpPr txBox="1">
-            <a:spLocks noChangeArrowheads="1"/>
-          </p:cNvSpPr>
-          <p:nvPr/>
-        </p:nvSpPr>
-        <p:spPr bwMode="auto">
-          <a:xfrm>
-            <a:off x="7031736" y="3414120"/>
-            <a:ext cx="4792472" cy="2277547"/>
-          </a:xfrm>
-          <a:prstGeom prst="rect">
-            <a:avLst/>
-          </a:prstGeom>
-          <a:noFill/>
-          <a:ln w="9525">
-            <a:noFill/>
-            <a:miter lim="800000"/>
-            <a:headEnd/>
-            <a:tailEnd/>
-          </a:ln>
-        </p:spPr>
-        <p:txBody>
-          <a:bodyPr wrap="square">
-            <a:spAutoFit/>
-          </a:bodyPr>
-          <a:lstStyle/>
-          <a:p>
-            <a:pPr marR="0" lvl="0" algn="just" defTabSz="457200" rtl="0" eaLnBrk="1" fontAlgn="base" latinLnBrk="0" hangingPunct="1">
-              <a:lnSpc>
-                <a:spcPct val="100000"/>
-              </a:lnSpc>
-              <a:spcBef>
-                <a:spcPct val="0"/>
-              </a:spcBef>
-              <a:spcAft>
-                <a:spcPct val="0"/>
-              </a:spcAft>
-              <a:buClrTx/>
-              <a:buSzTx/>
-              <a:tabLst/>
-              <a:defRPr/>
-            </a:pPr>
-            <a:r>
-              <a:rPr kumimoji="0" lang="en-US" sz="1400" b="1" i="0" u="none" strike="noStrike" kern="1200" cap="none" spc="0" normalizeH="0" baseline="0" noProof="0" dirty="0">
-                <a:ln>
-                  <a:noFill/>
-                </a:ln>
-                <a:solidFill>
-                  <a:prstClr val="black"/>
-                </a:solidFill>
-                <a:effectLst/>
-                <a:uLnTx/>
-                <a:uFillTx/>
-                <a:latin typeface="Arial" pitchFamily="34" charset="0"/>
-                <a:ea typeface="ＭＳ Ｐゴシック" pitchFamily="1" charset="-128"/>
-                <a:cs typeface="Arial" pitchFamily="34" charset="0"/>
-              </a:rPr>
-              <a:t>General resources:</a:t>
-            </a:r>
-          </a:p>
-          <a:p>
-            <a:pPr marL="342900" marR="0" lvl="0" indent="-342900" algn="just" defTabSz="457200" rtl="0" eaLnBrk="1" fontAlgn="base" latinLnBrk="0" hangingPunct="1">
-              <a:lnSpc>
-                <a:spcPct val="100000"/>
-              </a:lnSpc>
-              <a:spcBef>
-                <a:spcPct val="0"/>
-              </a:spcBef>
-              <a:spcAft>
-                <a:spcPct val="0"/>
-              </a:spcAft>
-              <a:buClrTx/>
-              <a:buSzTx/>
-              <a:buFont typeface="Arial" panose="020B0604020202020204" pitchFamily="34" charset="0"/>
-              <a:buChar char="•"/>
-              <a:tabLst/>
-              <a:defRPr/>
-            </a:pPr>
-            <a:r>
-              <a:rPr kumimoji="0" lang="en-US" sz="1400" b="0" i="0" u="none" strike="noStrike" kern="1200" cap="none" spc="0" normalizeH="0" baseline="0" noProof="0" dirty="0">
-                <a:ln>
-                  <a:noFill/>
-                </a:ln>
-                <a:solidFill>
-                  <a:prstClr val="black"/>
-                </a:solidFill>
-                <a:effectLst/>
-                <a:uLnTx/>
-                <a:uFillTx/>
-                <a:latin typeface="Arial" pitchFamily="34" charset="0"/>
-                <a:ea typeface="ＭＳ Ｐゴシック" pitchFamily="1" charset="-128"/>
-                <a:cs typeface="Arial" pitchFamily="34" charset="0"/>
-              </a:rPr>
-              <a:t>World Bank: </a:t>
-            </a:r>
-            <a:r>
-              <a:rPr kumimoji="0" lang="en-US" sz="1400" b="0" i="0" u="none" strike="noStrike" kern="1200" cap="none" spc="0" normalizeH="0" baseline="0" noProof="0" dirty="0">
-                <a:ln>
-                  <a:noFill/>
-                </a:ln>
-                <a:solidFill>
-                  <a:prstClr val="black"/>
-                </a:solidFill>
-                <a:effectLst/>
-                <a:uLnTx/>
-                <a:uFillTx/>
-                <a:latin typeface="Arial" pitchFamily="34" charset="0"/>
-                <a:ea typeface="ＭＳ Ｐゴシック" pitchFamily="1" charset="-128"/>
-                <a:cs typeface="Arial" pitchFamily="34" charset="0"/>
-                <a:hlinkClick r:id="rId3"/>
-              </a:rPr>
-              <a:t>https://www.worldbank.org/en/home</a:t>
-            </a:r>
-            <a:endParaRPr kumimoji="0" lang="en-US" sz="1400" b="0" i="0" u="none" strike="noStrike" kern="1200" cap="none" spc="0" normalizeH="0" baseline="0" noProof="0" dirty="0">
-              <a:ln>
-                <a:noFill/>
-              </a:ln>
-              <a:solidFill>
-                <a:prstClr val="black"/>
-              </a:solidFill>
-              <a:effectLst/>
-              <a:uLnTx/>
-              <a:uFillTx/>
-              <a:latin typeface="Arial" pitchFamily="34" charset="0"/>
-              <a:ea typeface="ＭＳ Ｐゴシック" pitchFamily="1" charset="-128"/>
-              <a:cs typeface="Arial" pitchFamily="34" charset="0"/>
-            </a:endParaRPr>
-          </a:p>
-          <a:p>
-            <a:pPr marL="342900" marR="0" lvl="0" indent="-342900" algn="just" defTabSz="457200" rtl="0" eaLnBrk="1" fontAlgn="base" latinLnBrk="0" hangingPunct="1">
-              <a:lnSpc>
-                <a:spcPct val="100000"/>
-              </a:lnSpc>
-              <a:spcBef>
-                <a:spcPct val="0"/>
-              </a:spcBef>
-              <a:spcAft>
-                <a:spcPct val="0"/>
-              </a:spcAft>
-              <a:buClrTx/>
-              <a:buSzTx/>
-              <a:buFont typeface="Arial" panose="020B0604020202020204" pitchFamily="34" charset="0"/>
-              <a:buChar char="•"/>
-              <a:tabLst/>
-              <a:defRPr/>
-            </a:pPr>
-            <a:r>
-              <a:rPr kumimoji="0" lang="en-US" sz="1400" b="0" i="0" u="none" strike="noStrike" kern="1200" cap="none" spc="0" normalizeH="0" baseline="0" noProof="0" dirty="0">
-                <a:ln>
-                  <a:noFill/>
-                </a:ln>
-                <a:solidFill>
-                  <a:prstClr val="black"/>
-                </a:solidFill>
-                <a:effectLst/>
-                <a:uLnTx/>
-                <a:uFillTx/>
-                <a:latin typeface="Arial" pitchFamily="34" charset="0"/>
-                <a:ea typeface="ＭＳ Ｐゴシック" pitchFamily="1" charset="-128"/>
-                <a:cs typeface="Arial" pitchFamily="34" charset="0"/>
-              </a:rPr>
-              <a:t>International Labor </a:t>
-            </a:r>
-            <a:r>
-              <a:rPr lang="en-US" sz="1400" dirty="0">
-                <a:solidFill>
-                  <a:prstClr val="black"/>
-                </a:solidFill>
-                <a:latin typeface="Arial" pitchFamily="34" charset="0"/>
-                <a:cs typeface="Arial" pitchFamily="34" charset="0"/>
-              </a:rPr>
-              <a:t>O</a:t>
-            </a:r>
-            <a:r>
-              <a:rPr kumimoji="0" lang="en-US" sz="1400" b="0" i="0" u="none" strike="noStrike" kern="1200" cap="none" spc="0" normalizeH="0" baseline="0" noProof="0" dirty="0" err="1">
-                <a:ln>
-                  <a:noFill/>
-                </a:ln>
-                <a:solidFill>
-                  <a:prstClr val="black"/>
-                </a:solidFill>
-                <a:effectLst/>
-                <a:uLnTx/>
-                <a:uFillTx/>
-                <a:latin typeface="Arial" pitchFamily="34" charset="0"/>
-                <a:ea typeface="ＭＳ Ｐゴシック" pitchFamily="1" charset="-128"/>
-                <a:cs typeface="Arial" pitchFamily="34" charset="0"/>
-              </a:rPr>
-              <a:t>rganisation</a:t>
-            </a:r>
-            <a:r>
-              <a:rPr kumimoji="0" lang="en-US" sz="1400" b="0" i="0" u="none" strike="noStrike" kern="1200" cap="none" spc="0" normalizeH="0" baseline="0" noProof="0" dirty="0">
-                <a:ln>
-                  <a:noFill/>
-                </a:ln>
-                <a:solidFill>
-                  <a:prstClr val="black"/>
-                </a:solidFill>
-                <a:effectLst/>
-                <a:uLnTx/>
-                <a:uFillTx/>
-                <a:latin typeface="Arial" pitchFamily="34" charset="0"/>
-                <a:ea typeface="ＭＳ Ｐゴシック" pitchFamily="1" charset="-128"/>
-                <a:cs typeface="Arial" pitchFamily="34" charset="0"/>
-              </a:rPr>
-              <a:t>: </a:t>
-            </a:r>
-            <a:r>
-              <a:rPr kumimoji="0" lang="en-US" sz="1400" b="0" i="0" u="none" strike="noStrike" kern="1200" cap="none" spc="0" normalizeH="0" baseline="0" noProof="0" dirty="0">
-                <a:ln>
-                  <a:noFill/>
-                </a:ln>
-                <a:solidFill>
-                  <a:prstClr val="black"/>
-                </a:solidFill>
-                <a:effectLst/>
-                <a:uLnTx/>
-                <a:uFillTx/>
-                <a:latin typeface="Arial" pitchFamily="34" charset="0"/>
-                <a:ea typeface="ＭＳ Ｐゴシック" pitchFamily="1" charset="-128"/>
-                <a:cs typeface="Arial" pitchFamily="34" charset="0"/>
-                <a:hlinkClick r:id="rId4"/>
-              </a:rPr>
-              <a:t>https://www.ilo.org/</a:t>
-            </a:r>
-            <a:endParaRPr kumimoji="0" lang="en-US" sz="1400" b="0" i="0" u="none" strike="noStrike" kern="1200" cap="none" spc="0" normalizeH="0" baseline="0" noProof="0" dirty="0">
-              <a:ln>
-                <a:noFill/>
-              </a:ln>
-              <a:solidFill>
-                <a:prstClr val="black"/>
-              </a:solidFill>
-              <a:effectLst/>
-              <a:uLnTx/>
-              <a:uFillTx/>
-              <a:latin typeface="Arial" pitchFamily="34" charset="0"/>
-              <a:ea typeface="ＭＳ Ｐゴシック" pitchFamily="1" charset="-128"/>
-              <a:cs typeface="Arial" pitchFamily="34" charset="0"/>
-            </a:endParaRPr>
-          </a:p>
-          <a:p>
-            <a:pPr marL="342900" marR="0" lvl="0" indent="-342900" algn="just" defTabSz="457200" rtl="0" eaLnBrk="1" fontAlgn="base" latinLnBrk="0" hangingPunct="1">
-              <a:lnSpc>
-                <a:spcPct val="100000"/>
-              </a:lnSpc>
-              <a:spcBef>
-                <a:spcPct val="0"/>
-              </a:spcBef>
-              <a:spcAft>
-                <a:spcPct val="0"/>
-              </a:spcAft>
-              <a:buClrTx/>
-              <a:buSzTx/>
-              <a:buFont typeface="Arial" panose="020B0604020202020204" pitchFamily="34" charset="0"/>
-              <a:buChar char="•"/>
-              <a:tabLst/>
-              <a:defRPr/>
-            </a:pPr>
-            <a:endParaRPr lang="en-US" sz="1400" dirty="0">
-              <a:solidFill>
-                <a:prstClr val="black"/>
-              </a:solidFill>
-              <a:latin typeface="Arial" pitchFamily="34" charset="0"/>
-              <a:cs typeface="Arial" pitchFamily="34" charset="0"/>
-            </a:endParaRPr>
-          </a:p>
-          <a:p>
-            <a:pPr marR="0" lvl="0" algn="just" defTabSz="457200" rtl="0" eaLnBrk="1" fontAlgn="base" latinLnBrk="0" hangingPunct="1">
-              <a:lnSpc>
-                <a:spcPct val="100000"/>
-              </a:lnSpc>
-              <a:spcBef>
-                <a:spcPct val="0"/>
-              </a:spcBef>
-              <a:spcAft>
-                <a:spcPct val="0"/>
-              </a:spcAft>
-              <a:buClrTx/>
-              <a:buSzTx/>
-              <a:tabLst/>
-              <a:defRPr/>
-            </a:pPr>
-            <a:r>
-              <a:rPr kumimoji="0" lang="en-US" sz="1600" b="1" i="0" u="none" strike="noStrike" kern="1200" cap="none" spc="0" normalizeH="0" baseline="0" noProof="0" dirty="0">
-                <a:ln>
-                  <a:noFill/>
-                </a:ln>
-                <a:solidFill>
-                  <a:prstClr val="black"/>
-                </a:solidFill>
-                <a:effectLst/>
-                <a:uLnTx/>
-                <a:uFillTx/>
-                <a:latin typeface="Arial" pitchFamily="34" charset="0"/>
-                <a:ea typeface="ＭＳ Ｐゴシック" pitchFamily="1" charset="-128"/>
-                <a:cs typeface="Arial" pitchFamily="34" charset="0"/>
-              </a:rPr>
-              <a:t>Job boards:</a:t>
-            </a:r>
-          </a:p>
-          <a:p>
-            <a:pPr marL="342900" marR="0" lvl="0" indent="-342900" algn="just" defTabSz="457200" rtl="0" eaLnBrk="1" fontAlgn="base" latinLnBrk="0" hangingPunct="1">
-              <a:lnSpc>
-                <a:spcPct val="100000"/>
-              </a:lnSpc>
-              <a:spcBef>
-                <a:spcPct val="0"/>
-              </a:spcBef>
-              <a:spcAft>
-                <a:spcPct val="0"/>
-              </a:spcAft>
-              <a:buClrTx/>
-              <a:buSzTx/>
-              <a:buFont typeface="Arial" panose="020B0604020202020204" pitchFamily="34" charset="0"/>
-              <a:buChar char="•"/>
-              <a:tabLst/>
-              <a:defRPr/>
-            </a:pPr>
-            <a:r>
-              <a:rPr lang="en-US" sz="1400" dirty="0">
-                <a:solidFill>
-                  <a:prstClr val="black"/>
-                </a:solidFill>
-                <a:latin typeface="Arial" pitchFamily="34" charset="0"/>
-                <a:cs typeface="Arial" pitchFamily="34" charset="0"/>
-              </a:rPr>
-              <a:t>Indeed: </a:t>
-            </a:r>
-            <a:r>
-              <a:rPr lang="en-US" sz="1400" dirty="0">
-                <a:solidFill>
-                  <a:prstClr val="black"/>
-                </a:solidFill>
-                <a:latin typeface="Arial" pitchFamily="34" charset="0"/>
-                <a:cs typeface="Arial" pitchFamily="34" charset="0"/>
-                <a:hlinkClick r:id="rId5"/>
-              </a:rPr>
-              <a:t>https://www.indeed.jobs/</a:t>
-            </a:r>
-            <a:endParaRPr lang="en-US" sz="1400" dirty="0">
-              <a:solidFill>
-                <a:prstClr val="black"/>
-              </a:solidFill>
-              <a:latin typeface="Arial" pitchFamily="34" charset="0"/>
-              <a:cs typeface="Arial" pitchFamily="34" charset="0"/>
-            </a:endParaRPr>
-          </a:p>
-          <a:p>
-            <a:pPr marL="342900" marR="0" lvl="0" indent="-342900" algn="just" defTabSz="457200" rtl="0" eaLnBrk="1" fontAlgn="base" latinLnBrk="0" hangingPunct="1">
-              <a:lnSpc>
-                <a:spcPct val="100000"/>
-              </a:lnSpc>
-              <a:spcBef>
-                <a:spcPct val="0"/>
-              </a:spcBef>
-              <a:spcAft>
-                <a:spcPct val="0"/>
-              </a:spcAft>
-              <a:buClrTx/>
-              <a:buSzTx/>
-              <a:buFont typeface="Arial" panose="020B0604020202020204" pitchFamily="34" charset="0"/>
-              <a:buChar char="•"/>
-              <a:tabLst/>
-              <a:defRPr/>
-            </a:pPr>
-            <a:r>
-              <a:rPr kumimoji="0" lang="en-US" sz="1400" b="0" i="0" u="none" strike="noStrike" kern="1200" cap="none" spc="0" normalizeH="0" baseline="0" noProof="0" dirty="0" err="1">
-                <a:ln>
-                  <a:noFill/>
-                </a:ln>
-                <a:solidFill>
-                  <a:prstClr val="black"/>
-                </a:solidFill>
-                <a:effectLst/>
-                <a:uLnTx/>
-                <a:uFillTx/>
-                <a:latin typeface="Arial" pitchFamily="34" charset="0"/>
-                <a:ea typeface="ＭＳ Ｐゴシック" pitchFamily="1" charset="-128"/>
-                <a:cs typeface="Arial" pitchFamily="34" charset="0"/>
-              </a:rPr>
-              <a:t>Linkedin</a:t>
-            </a:r>
-            <a:r>
-              <a:rPr kumimoji="0" lang="en-US" sz="1400" b="0" i="0" u="none" strike="noStrike" kern="1200" cap="none" spc="0" normalizeH="0" baseline="0" noProof="0" dirty="0">
-                <a:ln>
-                  <a:noFill/>
-                </a:ln>
-                <a:solidFill>
-                  <a:prstClr val="black"/>
-                </a:solidFill>
-                <a:effectLst/>
-                <a:uLnTx/>
-                <a:uFillTx/>
-                <a:latin typeface="Arial" pitchFamily="34" charset="0"/>
-                <a:ea typeface="ＭＳ Ｐゴシック" pitchFamily="1" charset="-128"/>
-                <a:cs typeface="Arial" pitchFamily="34" charset="0"/>
-              </a:rPr>
-              <a:t>: </a:t>
-            </a:r>
-            <a:r>
-              <a:rPr kumimoji="0" lang="en-US" sz="1400" b="0" i="0" u="none" strike="noStrike" kern="1200" cap="none" spc="0" normalizeH="0" baseline="0" noProof="0" dirty="0">
-                <a:ln>
-                  <a:noFill/>
-                </a:ln>
-                <a:solidFill>
-                  <a:prstClr val="black"/>
-                </a:solidFill>
-                <a:effectLst/>
-                <a:uLnTx/>
-                <a:uFillTx/>
-                <a:latin typeface="Arial" pitchFamily="34" charset="0"/>
-                <a:ea typeface="ＭＳ Ｐゴシック" pitchFamily="1" charset="-128"/>
-                <a:cs typeface="Arial" pitchFamily="34" charset="0"/>
-                <a:hlinkClick r:id="rId6"/>
-              </a:rPr>
-              <a:t>https://www.linkedin.com/</a:t>
-            </a:r>
-            <a:endParaRPr kumimoji="0" lang="en-US" sz="1400" b="0" i="0" u="none" strike="noStrike" kern="1200" cap="none" spc="0" normalizeH="0" baseline="0" noProof="0" dirty="0">
-              <a:ln>
-                <a:noFill/>
-              </a:ln>
-              <a:solidFill>
-                <a:prstClr val="black"/>
-              </a:solidFill>
-              <a:effectLst/>
-              <a:uLnTx/>
-              <a:uFillTx/>
-              <a:latin typeface="Arial" pitchFamily="34" charset="0"/>
-              <a:ea typeface="ＭＳ Ｐゴシック" pitchFamily="1" charset="-128"/>
-              <a:cs typeface="Arial" pitchFamily="34" charset="0"/>
-            </a:endParaRPr>
-          </a:p>
-          <a:p>
-            <a:pPr marL="342900" marR="0" lvl="0" indent="-342900" algn="just" defTabSz="457200" rtl="0" eaLnBrk="1" fontAlgn="base" latinLnBrk="0" hangingPunct="1">
-              <a:lnSpc>
-                <a:spcPct val="100000"/>
-              </a:lnSpc>
-              <a:spcBef>
-                <a:spcPct val="0"/>
-              </a:spcBef>
-              <a:spcAft>
-                <a:spcPct val="0"/>
-              </a:spcAft>
-              <a:buClrTx/>
-              <a:buSzTx/>
-              <a:buFont typeface="Arial" panose="020B0604020202020204" pitchFamily="34" charset="0"/>
-              <a:buChar char="•"/>
-              <a:tabLst/>
-              <a:defRPr/>
-            </a:pPr>
-            <a:endParaRPr lang="en-US" sz="1400" dirty="0">
-              <a:solidFill>
-                <a:prstClr val="black"/>
-              </a:solidFill>
-              <a:latin typeface="Arial" pitchFamily="34" charset="0"/>
-              <a:cs typeface="Arial" pitchFamily="34" charset="0"/>
-            </a:endParaRPr>
-          </a:p>
-          <a:p>
-            <a:pPr marR="0" lvl="0" algn="just" defTabSz="457200" rtl="0" eaLnBrk="1" fontAlgn="base" latinLnBrk="0" hangingPunct="1">
-              <a:lnSpc>
-                <a:spcPct val="100000"/>
-              </a:lnSpc>
-              <a:spcBef>
-                <a:spcPct val="0"/>
-              </a:spcBef>
-              <a:spcAft>
-                <a:spcPct val="0"/>
-              </a:spcAft>
-              <a:buClrTx/>
-              <a:buSzTx/>
-              <a:tabLst/>
-              <a:defRPr/>
-            </a:pPr>
-            <a:r>
-              <a:rPr kumimoji="0" lang="en-US" sz="1400" b="1" i="0" u="none" strike="noStrike" kern="1200" cap="none" spc="0" normalizeH="0" baseline="0" noProof="0" dirty="0">
-                <a:ln>
-                  <a:noFill/>
-                </a:ln>
-                <a:solidFill>
-                  <a:prstClr val="black"/>
-                </a:solidFill>
-                <a:effectLst/>
-                <a:uLnTx/>
-                <a:uFillTx/>
-                <a:latin typeface="Arial" pitchFamily="34" charset="0"/>
-                <a:ea typeface="ＭＳ Ｐゴシック" pitchFamily="1" charset="-128"/>
-                <a:cs typeface="Arial" pitchFamily="34" charset="0"/>
-              </a:rPr>
-              <a:t>Career counseling:</a:t>
-            </a:r>
-          </a:p>
-          <a:p>
-            <a:pPr marL="342900" marR="0" lvl="0" indent="-342900" algn="just" defTabSz="457200" rtl="0" eaLnBrk="1" fontAlgn="base" latinLnBrk="0" hangingPunct="1">
-              <a:lnSpc>
-                <a:spcPct val="100000"/>
-              </a:lnSpc>
-              <a:spcBef>
-                <a:spcPct val="0"/>
-              </a:spcBef>
-              <a:spcAft>
-                <a:spcPct val="0"/>
-              </a:spcAft>
-              <a:buClrTx/>
-              <a:buSzTx/>
-              <a:buFont typeface="Arial" panose="020B0604020202020204" pitchFamily="34" charset="0"/>
-              <a:buChar char="•"/>
-              <a:tabLst/>
-              <a:defRPr/>
-            </a:pPr>
-            <a:r>
-              <a:rPr lang="en-US" sz="1400" dirty="0">
-                <a:solidFill>
-                  <a:prstClr val="black"/>
-                </a:solidFill>
-                <a:latin typeface="Arial" pitchFamily="34" charset="0"/>
-                <a:cs typeface="Arial" pitchFamily="34" charset="0"/>
-              </a:rPr>
-              <a:t>National Career Service: </a:t>
-            </a:r>
-            <a:r>
-              <a:rPr lang="en-US" sz="1400" dirty="0">
-                <a:solidFill>
-                  <a:prstClr val="black"/>
-                </a:solidFill>
-                <a:latin typeface="Arial" pitchFamily="34" charset="0"/>
-                <a:cs typeface="Arial" pitchFamily="34" charset="0"/>
-                <a:hlinkClick r:id="rId7"/>
-              </a:rPr>
-              <a:t>https://www.ncs.gov.in/</a:t>
-            </a:r>
-            <a:endParaRPr lang="en-US" sz="1400" dirty="0">
-              <a:solidFill>
-                <a:prstClr val="black"/>
-              </a:solidFill>
-              <a:latin typeface="Arial" pitchFamily="34" charset="0"/>
-              <a:cs typeface="Arial" pitchFamily="34" charset="0"/>
-            </a:endParaRPr>
-          </a:p>
-        </p:txBody>
-      </p:sp>
-      <p:sp>
-        <p:nvSpPr>
           <p:cNvPr id="6" name="Slide Number Placeholder 5"/>
           <p:cNvSpPr>
             <a:spLocks noGrp="1"/>
@@ -12828,7 +12431,7 @@
           <p:nvPr/>
         </p:nvPicPr>
         <p:blipFill rotWithShape="1">
-          <a:blip r:embed="rId8">
+          <a:blip r:embed="rId3">
             <a:alphaModFix/>
           </a:blip>
           <a:srcRect/>
@@ -13050,72 +12653,6 @@
           </a:p>
         </p:txBody>
       </p:sp>
-      <p:pic>
-        <p:nvPicPr>
-          <p:cNvPr id="4" name="Picture 3">
-            <a:extLst>
-              <a:ext uri="{FF2B5EF4-FFF2-40B4-BE49-F238E27FC236}">
-                <a16:creationId xmlns:a16="http://schemas.microsoft.com/office/drawing/2014/main" id="{D61884CF-A28C-79CF-4005-8D2CCBD631EB}"/>
-              </a:ext>
-            </a:extLst>
-          </p:cNvPr>
-          <p:cNvPicPr>
-            <a:picLocks noChangeAspect="1"/>
-          </p:cNvPicPr>
-          <p:nvPr/>
-        </p:nvPicPr>
-        <p:blipFill>
-          <a:blip r:embed="rId9"/>
-          <a:stretch>
-            <a:fillRect/>
-          </a:stretch>
-        </p:blipFill>
-        <p:spPr>
-          <a:xfrm>
-            <a:off x="503727" y="1119693"/>
-            <a:ext cx="6271977" cy="5102352"/>
-          </a:xfrm>
-          <a:prstGeom prst="rect">
-            <a:avLst/>
-          </a:prstGeom>
-        </p:spPr>
-      </p:pic>
-      <p:cxnSp>
-        <p:nvCxnSpPr>
-          <p:cNvPr id="11" name="Straight Connector 10">
-            <a:extLst>
-              <a:ext uri="{FF2B5EF4-FFF2-40B4-BE49-F238E27FC236}">
-                <a16:creationId xmlns:a16="http://schemas.microsoft.com/office/drawing/2014/main" id="{1FC1F9D2-4DFF-E290-4A6F-A898D4D152EA}"/>
-              </a:ext>
-            </a:extLst>
-          </p:cNvPr>
-          <p:cNvCxnSpPr/>
-          <p:nvPr/>
-        </p:nvCxnSpPr>
-        <p:spPr>
-          <a:xfrm>
-            <a:off x="6871716" y="557784"/>
-            <a:ext cx="64008" cy="5586984"/>
-          </a:xfrm>
-          <a:prstGeom prst="line">
-            <a:avLst/>
-          </a:prstGeom>
-        </p:spPr>
-        <p:style>
-          <a:lnRef idx="2">
-            <a:schemeClr val="dk1"/>
-          </a:lnRef>
-          <a:fillRef idx="0">
-            <a:schemeClr val="dk1"/>
-          </a:fillRef>
-          <a:effectRef idx="1">
-            <a:schemeClr val="dk1"/>
-          </a:effectRef>
-          <a:fontRef idx="minor">
-            <a:schemeClr val="tx1"/>
-          </a:fontRef>
-        </p:style>
-      </p:cxnSp>
       <p:sp>
         <p:nvSpPr>
           <p:cNvPr id="12" name="Title 1">
@@ -13300,51 +12837,318 @@
           </a:lstStyle>
           <a:p>
             <a:pPr eaLnBrk="1" hangingPunct="1"/>
-            <a:r>
-              <a:rPr lang="en-US" sz="2000" b="1" dirty="0" err="1">
-                <a:latin typeface="Times New Roman" panose="02020603050405020304" pitchFamily="18" charset="0"/>
-                <a:ea typeface="ＭＳ Ｐゴシック" pitchFamily="1" charset="-128"/>
-                <a:cs typeface="Times New Roman" panose="02020603050405020304" pitchFamily="18" charset="0"/>
-              </a:rPr>
-              <a:t>WorkFlow</a:t>
-            </a:r>
             <a:endParaRPr lang="en-US" sz="2000" b="1" dirty="0">
               <a:latin typeface="Times New Roman" panose="02020603050405020304" pitchFamily="18" charset="0"/>
               <a:ea typeface="ＭＳ Ｐゴシック" pitchFamily="1" charset="-128"/>
               <a:cs typeface="Times New Roman" panose="02020603050405020304" pitchFamily="18" charset="0"/>
             </a:endParaRPr>
           </a:p>
-          <a:p>
-            <a:pPr eaLnBrk="1" hangingPunct="1"/>
-            <a:r>
-              <a:rPr lang="en-US" sz="2000" b="1" dirty="0">
+        </p:txBody>
+      </p:sp>
+      <p:sp>
+        <p:nvSpPr>
+          <p:cNvPr id="3" name="TextBox 2">
+            <a:extLst>
+              <a:ext uri="{FF2B5EF4-FFF2-40B4-BE49-F238E27FC236}">
+                <a16:creationId xmlns:a16="http://schemas.microsoft.com/office/drawing/2014/main" id="{B9163127-B80F-1ACB-27D4-A8318342911D}"/>
+              </a:ext>
+            </a:extLst>
+          </p:cNvPr>
+          <p:cNvSpPr txBox="1"/>
+          <p:nvPr/>
+        </p:nvSpPr>
+        <p:spPr>
+          <a:xfrm>
+            <a:off x="3267202" y="245069"/>
+            <a:ext cx="5189220" cy="707886"/>
+          </a:xfrm>
+          <a:prstGeom prst="rect">
+            <a:avLst/>
+          </a:prstGeom>
+          <a:noFill/>
+        </p:spPr>
+        <p:txBody>
+          <a:bodyPr wrap="square" rtlCol="0">
+            <a:spAutoFit/>
+          </a:bodyPr>
+          <a:lstStyle/>
+          <a:p>
+            <a:r>
+              <a:rPr lang="en-US" sz="4000" b="1" dirty="0">
                 <a:latin typeface="Times New Roman" panose="02020603050405020304" pitchFamily="18" charset="0"/>
-                <a:ea typeface="ＭＳ Ｐゴシック" pitchFamily="1" charset="-128"/>
                 <a:cs typeface="Times New Roman" panose="02020603050405020304" pitchFamily="18" charset="0"/>
               </a:rPr>
-              <a:t>For</a:t>
-            </a:r>
-          </a:p>
-          <a:p>
-            <a:pPr eaLnBrk="1" hangingPunct="1"/>
-            <a:r>
-              <a:rPr lang="en-US" sz="2000" b="1" dirty="0">
+              <a:t>Impact And Benefits</a:t>
+            </a:r>
+            <a:endParaRPr lang="en-IN" sz="4000" b="1" dirty="0">
+              <a:latin typeface="Times New Roman" panose="02020603050405020304" pitchFamily="18" charset="0"/>
+              <a:cs typeface="Times New Roman" panose="02020603050405020304" pitchFamily="18" charset="0"/>
+            </a:endParaRPr>
+          </a:p>
+        </p:txBody>
+      </p:sp>
+      <p:sp>
+        <p:nvSpPr>
+          <p:cNvPr id="5" name="TextBox 4">
+            <a:extLst>
+              <a:ext uri="{FF2B5EF4-FFF2-40B4-BE49-F238E27FC236}">
+                <a16:creationId xmlns:a16="http://schemas.microsoft.com/office/drawing/2014/main" id="{57F14104-E5F9-49A6-1031-9B0C6FC85EF3}"/>
+              </a:ext>
+            </a:extLst>
+          </p:cNvPr>
+          <p:cNvSpPr txBox="1"/>
+          <p:nvPr/>
+        </p:nvSpPr>
+        <p:spPr>
+          <a:xfrm>
+            <a:off x="450521" y="1543273"/>
+            <a:ext cx="5288394" cy="4093428"/>
+          </a:xfrm>
+          <a:prstGeom prst="rect">
+            <a:avLst/>
+          </a:prstGeom>
+          <a:noFill/>
+        </p:spPr>
+        <p:txBody>
+          <a:bodyPr wrap="square" rtlCol="0">
+            <a:spAutoFit/>
+          </a:bodyPr>
+          <a:lstStyle/>
+          <a:p>
+            <a:pPr marL="342900" indent="-342900">
+              <a:buAutoNum type="arabicPeriod"/>
+            </a:pPr>
+            <a:r>
+              <a:rPr lang="en-IN" sz="2000" dirty="0"/>
+              <a:t>Sponsored job listings that show up at the top of the job list for graduates.</a:t>
+            </a:r>
+          </a:p>
+          <a:p>
+            <a:pPr marL="342900" indent="-342900">
+              <a:buAutoNum type="arabicPeriod"/>
+            </a:pPr>
+            <a:r>
+              <a:rPr lang="en-IN" sz="2000" dirty="0"/>
+              <a:t>Holding AI-proctored examinations within the site itself </a:t>
+            </a:r>
+            <a:r>
+              <a:rPr lang="en-IN" sz="2000" b="1" dirty="0"/>
+              <a:t>for companies to select candidates at a premium fee</a:t>
+            </a:r>
+            <a:r>
+              <a:rPr lang="en-IN" sz="2000" dirty="0"/>
+              <a:t>.</a:t>
+            </a:r>
+          </a:p>
+          <a:p>
+            <a:pPr marL="342900" indent="-342900">
+              <a:buAutoNum type="arabicPeriod"/>
+            </a:pPr>
+            <a:r>
+              <a:rPr lang="en-IN" sz="2000" b="1" dirty="0"/>
+              <a:t>Resume and cover letter consultations </a:t>
+            </a:r>
+            <a:r>
+              <a:rPr lang="en-IN" sz="2000" dirty="0"/>
+              <a:t>with our trained and experienced hiring professionals.</a:t>
+            </a:r>
+          </a:p>
+          <a:p>
+            <a:pPr marL="342900" indent="-342900">
+              <a:buAutoNum type="arabicPeriod"/>
+            </a:pPr>
+            <a:r>
+              <a:rPr lang="en-IN" sz="2000" b="1" dirty="0"/>
+              <a:t>Sponsored courses </a:t>
+            </a:r>
+            <a:r>
+              <a:rPr lang="en-IN" sz="2000" dirty="0"/>
+              <a:t>which show up at the top of personalised recommended courses for graduates.</a:t>
+            </a:r>
+          </a:p>
+          <a:p>
+            <a:pPr marL="342900" indent="-342900">
+              <a:buAutoNum type="arabicPeriod"/>
+            </a:pPr>
+            <a:r>
+              <a:rPr lang="en-IN" sz="2000" b="1" dirty="0"/>
+              <a:t>Referral fee</a:t>
+            </a:r>
+            <a:r>
+              <a:rPr lang="en-IN" sz="2000" dirty="0"/>
+              <a:t> from purchase of courses by graduates for any paid course.</a:t>
+            </a:r>
+          </a:p>
+        </p:txBody>
+      </p:sp>
+      <p:cxnSp>
+        <p:nvCxnSpPr>
+          <p:cNvPr id="11" name="Straight Connector 10">
+            <a:extLst>
+              <a:ext uri="{FF2B5EF4-FFF2-40B4-BE49-F238E27FC236}">
+                <a16:creationId xmlns:a16="http://schemas.microsoft.com/office/drawing/2014/main" id="{B8483A0B-A575-50C3-891C-B50FD2A0088B}"/>
+              </a:ext>
+            </a:extLst>
+          </p:cNvPr>
+          <p:cNvCxnSpPr/>
+          <p:nvPr/>
+        </p:nvCxnSpPr>
+        <p:spPr>
+          <a:xfrm>
+            <a:off x="5861812" y="1543273"/>
+            <a:ext cx="0" cy="4004772"/>
+          </a:xfrm>
+          <a:prstGeom prst="line">
+            <a:avLst/>
+          </a:prstGeom>
+        </p:spPr>
+        <p:style>
+          <a:lnRef idx="2">
+            <a:schemeClr val="accent1"/>
+          </a:lnRef>
+          <a:fillRef idx="0">
+            <a:schemeClr val="accent1"/>
+          </a:fillRef>
+          <a:effectRef idx="1">
+            <a:schemeClr val="accent1"/>
+          </a:effectRef>
+          <a:fontRef idx="minor">
+            <a:schemeClr val="tx1"/>
+          </a:fontRef>
+        </p:style>
+      </p:cxnSp>
+      <p:sp>
+        <p:nvSpPr>
+          <p:cNvPr id="13" name="TextBox 12">
+            <a:extLst>
+              <a:ext uri="{FF2B5EF4-FFF2-40B4-BE49-F238E27FC236}">
+                <a16:creationId xmlns:a16="http://schemas.microsoft.com/office/drawing/2014/main" id="{F45C0EE1-2323-9125-6423-B8F408A513E3}"/>
+              </a:ext>
+            </a:extLst>
+          </p:cNvPr>
+          <p:cNvSpPr txBox="1"/>
+          <p:nvPr/>
+        </p:nvSpPr>
+        <p:spPr>
+          <a:xfrm>
+            <a:off x="6095999" y="2222697"/>
+            <a:ext cx="2637292" cy="2554545"/>
+          </a:xfrm>
+          <a:prstGeom prst="rect">
+            <a:avLst/>
+          </a:prstGeom>
+          <a:noFill/>
+          <a:ln>
+            <a:solidFill>
+              <a:srgbClr val="0070C0"/>
+            </a:solidFill>
+          </a:ln>
+        </p:spPr>
+        <p:txBody>
+          <a:bodyPr wrap="square" rtlCol="0">
+            <a:spAutoFit/>
+          </a:bodyPr>
+          <a:lstStyle/>
+          <a:p>
+            <a:r>
+              <a:rPr lang="en-IN" dirty="0"/>
+              <a:t>      </a:t>
+            </a:r>
+            <a:r>
+              <a:rPr lang="en-IN" sz="2000" b="1" u="sng" dirty="0">
                 <a:latin typeface="Times New Roman" panose="02020603050405020304" pitchFamily="18" charset="0"/>
-                <a:ea typeface="ＭＳ Ｐゴシック" pitchFamily="1" charset="-128"/>
                 <a:cs typeface="Times New Roman" panose="02020603050405020304" pitchFamily="18" charset="0"/>
               </a:rPr>
-              <a:t> different </a:t>
-            </a:r>
-          </a:p>
-          <a:p>
-            <a:pPr eaLnBrk="1" hangingPunct="1"/>
-            <a:r>
-              <a:rPr lang="en-US" sz="2000" b="1" dirty="0">
+              <a:t>Non-premium</a:t>
+            </a:r>
+          </a:p>
+          <a:p>
+            <a:endParaRPr lang="en-IN" sz="2000" dirty="0"/>
+          </a:p>
+          <a:p>
+            <a:r>
+              <a:rPr lang="en-IN" sz="2000" dirty="0"/>
+              <a:t>In non-premium, job openings lists will have limited openings (per month approx. 3-4)</a:t>
+            </a:r>
+          </a:p>
+          <a:p>
+            <a:r>
+              <a:rPr lang="en-IN" sz="2000" b="1" dirty="0"/>
+              <a:t>Reach is limited</a:t>
+            </a:r>
+            <a:r>
+              <a:rPr lang="en-IN" sz="2000" dirty="0"/>
+              <a:t> to 45% of the best candidates.</a:t>
+            </a:r>
+          </a:p>
+        </p:txBody>
+      </p:sp>
+      <p:sp>
+        <p:nvSpPr>
+          <p:cNvPr id="14" name="TextBox 13">
+            <a:extLst>
+              <a:ext uri="{FF2B5EF4-FFF2-40B4-BE49-F238E27FC236}">
+                <a16:creationId xmlns:a16="http://schemas.microsoft.com/office/drawing/2014/main" id="{B6EBF025-7EA2-905C-A79A-0C9203954341}"/>
+              </a:ext>
+            </a:extLst>
+          </p:cNvPr>
+          <p:cNvSpPr txBox="1"/>
+          <p:nvPr/>
+        </p:nvSpPr>
+        <p:spPr>
+          <a:xfrm>
+            <a:off x="9220174" y="2206151"/>
+            <a:ext cx="2637279" cy="2831544"/>
+          </a:xfrm>
+          <a:prstGeom prst="rect">
+            <a:avLst/>
+          </a:prstGeom>
+          <a:noFill/>
+          <a:ln>
+            <a:solidFill>
+              <a:srgbClr val="0070C0"/>
+            </a:solidFill>
+          </a:ln>
+        </p:spPr>
+        <p:txBody>
+          <a:bodyPr wrap="square" rtlCol="0">
+            <a:spAutoFit/>
+          </a:bodyPr>
+          <a:lstStyle/>
+          <a:p>
+            <a:r>
+              <a:rPr lang="en-IN" sz="2000" b="1" dirty="0">
                 <a:latin typeface="Times New Roman" panose="02020603050405020304" pitchFamily="18" charset="0"/>
-                <a:ea typeface="ＭＳ Ｐゴシック" pitchFamily="1" charset="-128"/>
                 <a:cs typeface="Times New Roman" panose="02020603050405020304" pitchFamily="18" charset="0"/>
               </a:rPr>
-              <a:t>users</a:t>
+              <a:t>         </a:t>
+            </a:r>
+            <a:r>
+              <a:rPr lang="en-IN" sz="2000" b="1" u="sng" dirty="0">
+                <a:latin typeface="Times New Roman" panose="02020603050405020304" pitchFamily="18" charset="0"/>
+                <a:cs typeface="Times New Roman" panose="02020603050405020304" pitchFamily="18" charset="0"/>
+              </a:rPr>
+              <a:t>Premium</a:t>
+            </a:r>
+          </a:p>
+          <a:p>
+            <a:endParaRPr lang="en-IN" dirty="0"/>
+          </a:p>
+          <a:p>
+            <a:r>
+              <a:rPr lang="en-IN" sz="2000" dirty="0"/>
+              <a:t>With Premium, job openings lists will have upto 20 openings per month. </a:t>
+            </a:r>
+            <a:br>
+              <a:rPr lang="en-IN" sz="2000" dirty="0"/>
+            </a:br>
+            <a:r>
+              <a:rPr lang="en-IN" sz="2000" b="1" dirty="0"/>
+              <a:t>Reach is maximized </a:t>
+            </a:r>
+            <a:r>
+              <a:rPr lang="en-IN" sz="2000" dirty="0"/>
+              <a:t>to 90% of the best candidates.</a:t>
             </a:r>
           </a:p>
         </p:txBody>
@@ -13353,6 +13157,1163 @@
     <p:extLst>
       <p:ext uri="{BB962C8B-B14F-4D97-AF65-F5344CB8AC3E}">
         <p14:creationId xmlns:p14="http://schemas.microsoft.com/office/powerpoint/2010/main" val="3916788613"/>
+      </p:ext>
+    </p:extLst>
+  </p:cSld>
+  <p:clrMapOvr>
+    <a:masterClrMapping/>
+  </p:clrMapOvr>
+</p:sld>
+</file>
+
+<file path=ppt/slides/slide5.xml><?xml version="1.0" encoding="utf-8"?>
+<p:sld xmlns:a="http://schemas.openxmlformats.org/drawingml/2006/main" xmlns:r="http://schemas.openxmlformats.org/officeDocument/2006/relationships" xmlns:p="http://schemas.openxmlformats.org/presentationml/2006/main">
+  <p:cSld>
+    <p:spTree>
+      <p:nvGrpSpPr>
+        <p:cNvPr id="1" name=""/>
+        <p:cNvGrpSpPr/>
+        <p:nvPr/>
+      </p:nvGrpSpPr>
+      <p:grpSpPr>
+        <a:xfrm>
+          <a:off x="0" y="0"/>
+          <a:ext cx="0" cy="0"/>
+          <a:chOff x="0" y="0"/>
+          <a:chExt cx="0" cy="0"/>
+        </a:xfrm>
+      </p:grpSpPr>
+      <p:sp>
+        <p:nvSpPr>
+          <p:cNvPr id="10" name="Rectangle 9">
+            <a:extLst>
+              <a:ext uri="{FF2B5EF4-FFF2-40B4-BE49-F238E27FC236}">
+                <a16:creationId xmlns:a16="http://schemas.microsoft.com/office/drawing/2014/main" id="{AD4F69D3-EEB0-4C4C-9434-B9960FB5854C}"/>
+              </a:ext>
+            </a:extLst>
+          </p:cNvPr>
+          <p:cNvSpPr>
+            <a:spLocks noChangeArrowheads="1"/>
+          </p:cNvSpPr>
+          <p:nvPr/>
+        </p:nvSpPr>
+        <p:spPr bwMode="auto">
+          <a:xfrm>
+            <a:off x="0" y="6354762"/>
+            <a:ext cx="12191999" cy="503238"/>
+          </a:xfrm>
+          <a:prstGeom prst="rect">
+            <a:avLst/>
+          </a:prstGeom>
+          <a:solidFill>
+            <a:srgbClr val="0070C0"/>
+          </a:solidFill>
+          <a:ln w="9525">
+            <a:noFill/>
+            <a:miter lim="800000"/>
+            <a:headEnd/>
+            <a:tailEnd/>
+          </a:ln>
+          <a:effectLst>
+            <a:outerShdw dist="23000" dir="5400000" rotWithShape="0">
+              <a:srgbClr val="808080">
+                <a:alpha val="34999"/>
+              </a:srgbClr>
+            </a:outerShdw>
+          </a:effectLst>
+        </p:spPr>
+        <p:txBody>
+          <a:bodyPr anchor="ctr"/>
+          <a:lstStyle/>
+          <a:p>
+            <a:pPr marL="0" marR="0" lvl="0" indent="0" algn="ctr" defTabSz="457200" rtl="0" eaLnBrk="1" fontAlgn="auto" latinLnBrk="0" hangingPunct="1">
+              <a:lnSpc>
+                <a:spcPct val="100000"/>
+              </a:lnSpc>
+              <a:spcBef>
+                <a:spcPts val="0"/>
+              </a:spcBef>
+              <a:spcAft>
+                <a:spcPts val="0"/>
+              </a:spcAft>
+              <a:buClrTx/>
+              <a:buSzTx/>
+              <a:buFontTx/>
+              <a:buNone/>
+              <a:tabLst/>
+              <a:defRPr/>
+            </a:pPr>
+            <a:endParaRPr kumimoji="0" lang="en-US" sz="1800" b="0" i="0" u="none" strike="noStrike" kern="1200" cap="none" spc="0" normalizeH="0" baseline="0" noProof="0" dirty="0">
+              <a:ln>
+                <a:noFill/>
+              </a:ln>
+              <a:solidFill>
+                <a:srgbClr val="C0504D">
+                  <a:lumMod val="75000"/>
+                </a:srgbClr>
+              </a:solidFill>
+              <a:effectLst/>
+              <a:uLnTx/>
+              <a:uFillTx/>
+              <a:latin typeface="Calibri"/>
+              <a:ea typeface="ＭＳ Ｐゴシック" pitchFamily="1" charset="-128"/>
+              <a:cs typeface="+mn-cs"/>
+            </a:endParaRPr>
+          </a:p>
+        </p:txBody>
+      </p:sp>
+      <p:sp>
+        <p:nvSpPr>
+          <p:cNvPr id="17409" name="Title 1"/>
+          <p:cNvSpPr>
+            <a:spLocks noGrp="1"/>
+          </p:cNvSpPr>
+          <p:nvPr>
+            <p:ph type="title"/>
+          </p:nvPr>
+        </p:nvSpPr>
+        <p:spPr>
+          <a:xfrm>
+            <a:off x="2186351" y="264113"/>
+            <a:ext cx="6887291" cy="764808"/>
+          </a:xfrm>
+        </p:spPr>
+        <p:txBody>
+          <a:bodyPr/>
+          <a:lstStyle/>
+          <a:p>
+            <a:pPr eaLnBrk="1" hangingPunct="1"/>
+            <a:r>
+              <a:rPr lang="en-US" sz="2800" b="1" dirty="0">
+                <a:latin typeface="Times New Roman" panose="02020603050405020304" pitchFamily="18" charset="0"/>
+                <a:ea typeface="ＭＳ Ｐゴシック" pitchFamily="1" charset="-128"/>
+                <a:cs typeface="Times New Roman" panose="02020603050405020304" pitchFamily="18" charset="0"/>
+              </a:rPr>
+              <a:t>RESEARCH  AND REFERENCES</a:t>
+            </a:r>
+          </a:p>
+        </p:txBody>
+      </p:sp>
+      <p:sp>
+        <p:nvSpPr>
+          <p:cNvPr id="17410" name="TextBox 8"/>
+          <p:cNvSpPr txBox="1">
+            <a:spLocks noChangeArrowheads="1"/>
+          </p:cNvSpPr>
+          <p:nvPr/>
+        </p:nvSpPr>
+        <p:spPr bwMode="auto">
+          <a:xfrm>
+            <a:off x="718144" y="1306163"/>
+            <a:ext cx="8020726" cy="4893647"/>
+          </a:xfrm>
+          <a:prstGeom prst="rect">
+            <a:avLst/>
+          </a:prstGeom>
+          <a:noFill/>
+          <a:ln w="9525">
+            <a:noFill/>
+            <a:miter lim="800000"/>
+            <a:headEnd/>
+            <a:tailEnd/>
+          </a:ln>
+        </p:spPr>
+        <p:txBody>
+          <a:bodyPr wrap="square">
+            <a:spAutoFit/>
+          </a:bodyPr>
+          <a:lstStyle/>
+          <a:p>
+            <a:pPr marR="0" lvl="0" algn="just" defTabSz="457200" rtl="0" eaLnBrk="1" fontAlgn="base" latinLnBrk="0" hangingPunct="1">
+              <a:lnSpc>
+                <a:spcPct val="100000"/>
+              </a:lnSpc>
+              <a:spcBef>
+                <a:spcPct val="0"/>
+              </a:spcBef>
+              <a:spcAft>
+                <a:spcPct val="0"/>
+              </a:spcAft>
+              <a:buClrTx/>
+              <a:buSzTx/>
+              <a:tabLst/>
+              <a:defRPr/>
+            </a:pPr>
+            <a:r>
+              <a:rPr kumimoji="0" lang="en-US" sz="2400" b="1" i="0" u="none" strike="noStrike" kern="1200" cap="none" spc="0" normalizeH="0" baseline="0" noProof="0" dirty="0">
+                <a:ln>
+                  <a:noFill/>
+                </a:ln>
+                <a:solidFill>
+                  <a:prstClr val="black"/>
+                </a:solidFill>
+                <a:effectLst/>
+                <a:uLnTx/>
+                <a:uFillTx/>
+                <a:latin typeface="Arial" pitchFamily="34" charset="0"/>
+                <a:ea typeface="ＭＳ Ｐゴシック" pitchFamily="1" charset="-128"/>
+                <a:cs typeface="Arial" pitchFamily="34" charset="0"/>
+              </a:rPr>
+              <a:t>General resources:</a:t>
+            </a:r>
+          </a:p>
+          <a:p>
+            <a:pPr marL="342900" marR="0" lvl="0" indent="-342900" algn="just" defTabSz="457200" rtl="0" eaLnBrk="1" fontAlgn="base" latinLnBrk="0" hangingPunct="1">
+              <a:lnSpc>
+                <a:spcPct val="100000"/>
+              </a:lnSpc>
+              <a:spcBef>
+                <a:spcPct val="0"/>
+              </a:spcBef>
+              <a:spcAft>
+                <a:spcPct val="0"/>
+              </a:spcAft>
+              <a:buClrTx/>
+              <a:buSzTx/>
+              <a:buFont typeface="Arial" panose="020B0604020202020204" pitchFamily="34" charset="0"/>
+              <a:buChar char="•"/>
+              <a:tabLst/>
+              <a:defRPr/>
+            </a:pPr>
+            <a:r>
+              <a:rPr kumimoji="0" lang="en-US" sz="2400" b="0" i="0" u="none" strike="noStrike" kern="1200" cap="none" spc="0" normalizeH="0" baseline="0" noProof="0" dirty="0">
+                <a:ln>
+                  <a:noFill/>
+                </a:ln>
+                <a:solidFill>
+                  <a:prstClr val="black"/>
+                </a:solidFill>
+                <a:effectLst/>
+                <a:uLnTx/>
+                <a:uFillTx/>
+                <a:latin typeface="Arial" pitchFamily="34" charset="0"/>
+                <a:ea typeface="ＭＳ Ｐゴシック" pitchFamily="1" charset="-128"/>
+                <a:cs typeface="Arial" pitchFamily="34" charset="0"/>
+              </a:rPr>
+              <a:t>International Labor </a:t>
+            </a:r>
+            <a:r>
+              <a:rPr lang="en-US" sz="2400" dirty="0">
+                <a:solidFill>
+                  <a:prstClr val="black"/>
+                </a:solidFill>
+                <a:latin typeface="Arial" pitchFamily="34" charset="0"/>
+                <a:cs typeface="Arial" pitchFamily="34" charset="0"/>
+              </a:rPr>
+              <a:t>O</a:t>
+            </a:r>
+            <a:r>
+              <a:rPr kumimoji="0" lang="en-US" sz="2400" b="0" i="0" u="none" strike="noStrike" kern="1200" cap="none" spc="0" normalizeH="0" baseline="0" noProof="0" dirty="0" err="1">
+                <a:ln>
+                  <a:noFill/>
+                </a:ln>
+                <a:solidFill>
+                  <a:prstClr val="black"/>
+                </a:solidFill>
+                <a:effectLst/>
+                <a:uLnTx/>
+                <a:uFillTx/>
+                <a:latin typeface="Arial" pitchFamily="34" charset="0"/>
+                <a:ea typeface="ＭＳ Ｐゴシック" pitchFamily="1" charset="-128"/>
+                <a:cs typeface="Arial" pitchFamily="34" charset="0"/>
+              </a:rPr>
+              <a:t>rganisation</a:t>
+            </a:r>
+            <a:r>
+              <a:rPr kumimoji="0" lang="en-US" sz="2400" b="0" i="0" u="none" strike="noStrike" kern="1200" cap="none" spc="0" normalizeH="0" baseline="0" noProof="0" dirty="0">
+                <a:ln>
+                  <a:noFill/>
+                </a:ln>
+                <a:solidFill>
+                  <a:prstClr val="black"/>
+                </a:solidFill>
+                <a:effectLst/>
+                <a:uLnTx/>
+                <a:uFillTx/>
+                <a:latin typeface="Arial" pitchFamily="34" charset="0"/>
+                <a:ea typeface="ＭＳ Ｐゴシック" pitchFamily="1" charset="-128"/>
+                <a:cs typeface="Arial" pitchFamily="34" charset="0"/>
+              </a:rPr>
+              <a:t>: </a:t>
+            </a:r>
+            <a:r>
+              <a:rPr kumimoji="0" lang="en-US" sz="2400" b="0" i="0" u="none" strike="noStrike" kern="1200" cap="none" spc="0" normalizeH="0" baseline="0" noProof="0" dirty="0">
+                <a:ln>
+                  <a:noFill/>
+                </a:ln>
+                <a:solidFill>
+                  <a:prstClr val="black"/>
+                </a:solidFill>
+                <a:effectLst/>
+                <a:uLnTx/>
+                <a:uFillTx/>
+                <a:latin typeface="Arial" pitchFamily="34" charset="0"/>
+                <a:ea typeface="ＭＳ Ｐゴシック" pitchFamily="1" charset="-128"/>
+                <a:cs typeface="Arial" pitchFamily="34" charset="0"/>
+                <a:hlinkClick r:id="rId3"/>
+              </a:rPr>
+              <a:t>https://www.ilo.org/</a:t>
+            </a:r>
+            <a:endParaRPr kumimoji="0" lang="en-US" sz="2400" b="0" i="0" u="none" strike="noStrike" kern="1200" cap="none" spc="0" normalizeH="0" baseline="0" noProof="0" dirty="0">
+              <a:ln>
+                <a:noFill/>
+              </a:ln>
+              <a:solidFill>
+                <a:prstClr val="black"/>
+              </a:solidFill>
+              <a:effectLst/>
+              <a:uLnTx/>
+              <a:uFillTx/>
+              <a:latin typeface="Arial" pitchFamily="34" charset="0"/>
+              <a:ea typeface="ＭＳ Ｐゴシック" pitchFamily="1" charset="-128"/>
+              <a:cs typeface="Arial" pitchFamily="34" charset="0"/>
+            </a:endParaRPr>
+          </a:p>
+          <a:p>
+            <a:pPr marL="342900" marR="0" lvl="0" indent="-342900" algn="just" defTabSz="457200" rtl="0" eaLnBrk="1" fontAlgn="base" latinLnBrk="0" hangingPunct="1">
+              <a:lnSpc>
+                <a:spcPct val="100000"/>
+              </a:lnSpc>
+              <a:spcBef>
+                <a:spcPct val="0"/>
+              </a:spcBef>
+              <a:spcAft>
+                <a:spcPct val="0"/>
+              </a:spcAft>
+              <a:buClrTx/>
+              <a:buSzTx/>
+              <a:buFont typeface="Arial" panose="020B0604020202020204" pitchFamily="34" charset="0"/>
+              <a:buChar char="•"/>
+              <a:tabLst/>
+              <a:defRPr/>
+            </a:pPr>
+            <a:endParaRPr lang="en-US" sz="2400" dirty="0">
+              <a:solidFill>
+                <a:prstClr val="black"/>
+              </a:solidFill>
+              <a:latin typeface="Arial" pitchFamily="34" charset="0"/>
+              <a:cs typeface="Arial" pitchFamily="34" charset="0"/>
+            </a:endParaRPr>
+          </a:p>
+          <a:p>
+            <a:pPr marR="0" lvl="0" algn="just" defTabSz="457200" rtl="0" eaLnBrk="1" fontAlgn="base" latinLnBrk="0" hangingPunct="1">
+              <a:lnSpc>
+                <a:spcPct val="100000"/>
+              </a:lnSpc>
+              <a:spcBef>
+                <a:spcPct val="0"/>
+              </a:spcBef>
+              <a:spcAft>
+                <a:spcPct val="0"/>
+              </a:spcAft>
+              <a:buClrTx/>
+              <a:buSzTx/>
+              <a:tabLst/>
+              <a:defRPr/>
+            </a:pPr>
+            <a:r>
+              <a:rPr kumimoji="0" lang="en-US" sz="2400" b="1" i="0" u="none" strike="noStrike" kern="1200" cap="none" spc="0" normalizeH="0" baseline="0" noProof="0" dirty="0">
+                <a:ln>
+                  <a:noFill/>
+                </a:ln>
+                <a:solidFill>
+                  <a:prstClr val="black"/>
+                </a:solidFill>
+                <a:effectLst/>
+                <a:uLnTx/>
+                <a:uFillTx/>
+                <a:latin typeface="Arial" pitchFamily="34" charset="0"/>
+                <a:ea typeface="ＭＳ Ｐゴシック" pitchFamily="1" charset="-128"/>
+                <a:cs typeface="Arial" pitchFamily="34" charset="0"/>
+              </a:rPr>
+              <a:t>Job boards:</a:t>
+            </a:r>
+          </a:p>
+          <a:p>
+            <a:pPr marL="342900" marR="0" lvl="0" indent="-342900" algn="just" defTabSz="457200" rtl="0" eaLnBrk="1" fontAlgn="base" latinLnBrk="0" hangingPunct="1">
+              <a:lnSpc>
+                <a:spcPct val="100000"/>
+              </a:lnSpc>
+              <a:spcBef>
+                <a:spcPct val="0"/>
+              </a:spcBef>
+              <a:spcAft>
+                <a:spcPct val="0"/>
+              </a:spcAft>
+              <a:buClrTx/>
+              <a:buSzTx/>
+              <a:buFont typeface="Arial" panose="020B0604020202020204" pitchFamily="34" charset="0"/>
+              <a:buChar char="•"/>
+              <a:tabLst/>
+              <a:defRPr/>
+            </a:pPr>
+            <a:r>
+              <a:rPr lang="en-US" sz="2400" dirty="0">
+                <a:solidFill>
+                  <a:prstClr val="black"/>
+                </a:solidFill>
+                <a:latin typeface="Arial" pitchFamily="34" charset="0"/>
+                <a:cs typeface="Arial" pitchFamily="34" charset="0"/>
+              </a:rPr>
+              <a:t>Indeed: </a:t>
+            </a:r>
+            <a:r>
+              <a:rPr lang="en-US" sz="2400" dirty="0">
+                <a:solidFill>
+                  <a:prstClr val="black"/>
+                </a:solidFill>
+                <a:latin typeface="Arial" pitchFamily="34" charset="0"/>
+                <a:cs typeface="Arial" pitchFamily="34" charset="0"/>
+                <a:hlinkClick r:id="rId4"/>
+              </a:rPr>
+              <a:t>https://www.indeed.jobs/</a:t>
+            </a:r>
+            <a:endParaRPr lang="en-US" sz="2400" dirty="0">
+              <a:solidFill>
+                <a:prstClr val="black"/>
+              </a:solidFill>
+              <a:latin typeface="Arial" pitchFamily="34" charset="0"/>
+              <a:cs typeface="Arial" pitchFamily="34" charset="0"/>
+            </a:endParaRPr>
+          </a:p>
+          <a:p>
+            <a:pPr marL="342900" marR="0" lvl="0" indent="-342900" algn="just" defTabSz="457200" rtl="0" eaLnBrk="1" fontAlgn="base" latinLnBrk="0" hangingPunct="1">
+              <a:lnSpc>
+                <a:spcPct val="100000"/>
+              </a:lnSpc>
+              <a:spcBef>
+                <a:spcPct val="0"/>
+              </a:spcBef>
+              <a:spcAft>
+                <a:spcPct val="0"/>
+              </a:spcAft>
+              <a:buClrTx/>
+              <a:buSzTx/>
+              <a:buFont typeface="Arial" panose="020B0604020202020204" pitchFamily="34" charset="0"/>
+              <a:buChar char="•"/>
+              <a:tabLst/>
+              <a:defRPr/>
+            </a:pPr>
+            <a:r>
+              <a:rPr kumimoji="0" lang="en-US" sz="2400" b="0" i="0" u="none" strike="noStrike" kern="1200" cap="none" spc="0" normalizeH="0" baseline="0" noProof="0" dirty="0" err="1">
+                <a:ln>
+                  <a:noFill/>
+                </a:ln>
+                <a:solidFill>
+                  <a:prstClr val="black"/>
+                </a:solidFill>
+                <a:effectLst/>
+                <a:uLnTx/>
+                <a:uFillTx/>
+                <a:latin typeface="Arial" pitchFamily="34" charset="0"/>
+                <a:ea typeface="ＭＳ Ｐゴシック" pitchFamily="1" charset="-128"/>
+                <a:cs typeface="Arial" pitchFamily="34" charset="0"/>
+              </a:rPr>
+              <a:t>Linkedin</a:t>
+            </a:r>
+            <a:r>
+              <a:rPr kumimoji="0" lang="en-US" sz="2400" b="0" i="0" u="none" strike="noStrike" kern="1200" cap="none" spc="0" normalizeH="0" baseline="0" noProof="0" dirty="0">
+                <a:ln>
+                  <a:noFill/>
+                </a:ln>
+                <a:solidFill>
+                  <a:prstClr val="black"/>
+                </a:solidFill>
+                <a:effectLst/>
+                <a:uLnTx/>
+                <a:uFillTx/>
+                <a:latin typeface="Arial" pitchFamily="34" charset="0"/>
+                <a:ea typeface="ＭＳ Ｐゴシック" pitchFamily="1" charset="-128"/>
+                <a:cs typeface="Arial" pitchFamily="34" charset="0"/>
+              </a:rPr>
+              <a:t>: </a:t>
+            </a:r>
+            <a:r>
+              <a:rPr kumimoji="0" lang="en-US" sz="2400" b="0" i="0" u="none" strike="noStrike" kern="1200" cap="none" spc="0" normalizeH="0" baseline="0" noProof="0" dirty="0">
+                <a:ln>
+                  <a:noFill/>
+                </a:ln>
+                <a:solidFill>
+                  <a:prstClr val="black"/>
+                </a:solidFill>
+                <a:effectLst/>
+                <a:uLnTx/>
+                <a:uFillTx/>
+                <a:latin typeface="Arial" pitchFamily="34" charset="0"/>
+                <a:ea typeface="ＭＳ Ｐゴシック" pitchFamily="1" charset="-128"/>
+                <a:cs typeface="Arial" pitchFamily="34" charset="0"/>
+                <a:hlinkClick r:id="rId5"/>
+              </a:rPr>
+              <a:t>https://www.linkedin.com/</a:t>
+            </a:r>
+            <a:endParaRPr kumimoji="0" lang="en-US" sz="2400" b="0" i="0" u="none" strike="noStrike" kern="1200" cap="none" spc="0" normalizeH="0" baseline="0" noProof="0" dirty="0">
+              <a:ln>
+                <a:noFill/>
+              </a:ln>
+              <a:solidFill>
+                <a:prstClr val="black"/>
+              </a:solidFill>
+              <a:effectLst/>
+              <a:uLnTx/>
+              <a:uFillTx/>
+              <a:latin typeface="Arial" pitchFamily="34" charset="0"/>
+              <a:ea typeface="ＭＳ Ｐゴシック" pitchFamily="1" charset="-128"/>
+              <a:cs typeface="Arial" pitchFamily="34" charset="0"/>
+            </a:endParaRPr>
+          </a:p>
+          <a:p>
+            <a:pPr marL="342900" marR="0" lvl="0" indent="-342900" algn="just" defTabSz="457200" rtl="0" eaLnBrk="1" fontAlgn="base" latinLnBrk="0" hangingPunct="1">
+              <a:lnSpc>
+                <a:spcPct val="100000"/>
+              </a:lnSpc>
+              <a:spcBef>
+                <a:spcPct val="0"/>
+              </a:spcBef>
+              <a:spcAft>
+                <a:spcPct val="0"/>
+              </a:spcAft>
+              <a:buClrTx/>
+              <a:buSzTx/>
+              <a:buFont typeface="Arial" panose="020B0604020202020204" pitchFamily="34" charset="0"/>
+              <a:buChar char="•"/>
+              <a:tabLst/>
+              <a:defRPr/>
+            </a:pPr>
+            <a:r>
+              <a:rPr lang="en-US" sz="2400" dirty="0" err="1">
+                <a:solidFill>
+                  <a:prstClr val="black"/>
+                </a:solidFill>
+                <a:latin typeface="Arial" pitchFamily="34" charset="0"/>
+                <a:cs typeface="Arial" pitchFamily="34" charset="0"/>
+              </a:rPr>
+              <a:t>Internshala</a:t>
+            </a:r>
+            <a:r>
+              <a:rPr lang="en-US" sz="2400" dirty="0">
+                <a:solidFill>
+                  <a:prstClr val="black"/>
+                </a:solidFill>
+                <a:latin typeface="Arial" pitchFamily="34" charset="0"/>
+                <a:cs typeface="Arial" pitchFamily="34" charset="0"/>
+              </a:rPr>
+              <a:t>: </a:t>
+            </a:r>
+            <a:r>
+              <a:rPr lang="en-US" sz="2400" dirty="0">
+                <a:solidFill>
+                  <a:prstClr val="black"/>
+                </a:solidFill>
+                <a:latin typeface="Arial" pitchFamily="34" charset="0"/>
+                <a:cs typeface="Arial" pitchFamily="34" charset="0"/>
+                <a:hlinkClick r:id="rId6"/>
+              </a:rPr>
+              <a:t>https://www.internshala.com/</a:t>
+            </a:r>
+            <a:endParaRPr lang="en-US" sz="2400" dirty="0">
+              <a:solidFill>
+                <a:prstClr val="black"/>
+              </a:solidFill>
+              <a:latin typeface="Arial" pitchFamily="34" charset="0"/>
+              <a:cs typeface="Arial" pitchFamily="34" charset="0"/>
+            </a:endParaRPr>
+          </a:p>
+          <a:p>
+            <a:pPr marL="342900" marR="0" lvl="0" indent="-342900" algn="just" defTabSz="457200" rtl="0" eaLnBrk="1" fontAlgn="base" latinLnBrk="0" hangingPunct="1">
+              <a:lnSpc>
+                <a:spcPct val="100000"/>
+              </a:lnSpc>
+              <a:spcBef>
+                <a:spcPct val="0"/>
+              </a:spcBef>
+              <a:spcAft>
+                <a:spcPct val="0"/>
+              </a:spcAft>
+              <a:buClrTx/>
+              <a:buSzTx/>
+              <a:buFont typeface="Arial" panose="020B0604020202020204" pitchFamily="34" charset="0"/>
+              <a:buChar char="•"/>
+              <a:tabLst/>
+              <a:defRPr/>
+            </a:pPr>
+            <a:endParaRPr lang="en-US" sz="2400" dirty="0">
+              <a:solidFill>
+                <a:prstClr val="black"/>
+              </a:solidFill>
+              <a:latin typeface="Arial" pitchFamily="34" charset="0"/>
+              <a:cs typeface="Arial" pitchFamily="34" charset="0"/>
+            </a:endParaRPr>
+          </a:p>
+          <a:p>
+            <a:pPr marR="0" lvl="0" algn="just" defTabSz="457200" rtl="0" eaLnBrk="1" fontAlgn="base" latinLnBrk="0" hangingPunct="1">
+              <a:lnSpc>
+                <a:spcPct val="100000"/>
+              </a:lnSpc>
+              <a:spcBef>
+                <a:spcPct val="0"/>
+              </a:spcBef>
+              <a:spcAft>
+                <a:spcPct val="0"/>
+              </a:spcAft>
+              <a:buClrTx/>
+              <a:buSzTx/>
+              <a:tabLst/>
+              <a:defRPr/>
+            </a:pPr>
+            <a:r>
+              <a:rPr lang="en-US" sz="2400" b="1" dirty="0">
+                <a:solidFill>
+                  <a:prstClr val="black"/>
+                </a:solidFill>
+                <a:latin typeface="Arial" pitchFamily="34" charset="0"/>
+                <a:cs typeface="Arial" pitchFamily="34" charset="0"/>
+              </a:rPr>
+              <a:t>Courses: </a:t>
+            </a:r>
+          </a:p>
+          <a:p>
+            <a:pPr marL="342900" marR="0" lvl="0" indent="-342900" algn="just" defTabSz="457200" rtl="0" eaLnBrk="1" fontAlgn="base" latinLnBrk="0" hangingPunct="1">
+              <a:lnSpc>
+                <a:spcPct val="100000"/>
+              </a:lnSpc>
+              <a:spcBef>
+                <a:spcPct val="0"/>
+              </a:spcBef>
+              <a:spcAft>
+                <a:spcPct val="0"/>
+              </a:spcAft>
+              <a:buClrTx/>
+              <a:buSzTx/>
+              <a:buFont typeface="Arial" panose="020B0604020202020204" pitchFamily="34" charset="0"/>
+              <a:buChar char="•"/>
+              <a:tabLst/>
+              <a:defRPr/>
+            </a:pPr>
+            <a:r>
+              <a:rPr lang="en-US" sz="2400" dirty="0">
+                <a:solidFill>
+                  <a:prstClr val="black"/>
+                </a:solidFill>
+                <a:latin typeface="Arial" pitchFamily="34" charset="0"/>
+                <a:cs typeface="Arial" pitchFamily="34" charset="0"/>
+              </a:rPr>
+              <a:t>Coursera: </a:t>
+            </a:r>
+            <a:r>
+              <a:rPr lang="en-US" sz="2400" dirty="0">
+                <a:solidFill>
+                  <a:prstClr val="black"/>
+                </a:solidFill>
+                <a:latin typeface="Arial" pitchFamily="34" charset="0"/>
+                <a:cs typeface="Arial" pitchFamily="34" charset="0"/>
+                <a:hlinkClick r:id="rId7"/>
+              </a:rPr>
+              <a:t>https://www.coursera.org</a:t>
+            </a:r>
+            <a:endParaRPr lang="en-US" sz="2400" dirty="0">
+              <a:solidFill>
+                <a:prstClr val="black"/>
+              </a:solidFill>
+              <a:latin typeface="Arial" pitchFamily="34" charset="0"/>
+              <a:cs typeface="Arial" pitchFamily="34" charset="0"/>
+            </a:endParaRPr>
+          </a:p>
+          <a:p>
+            <a:pPr marL="342900" marR="0" lvl="0" indent="-342900" algn="just" defTabSz="457200" rtl="0" eaLnBrk="1" fontAlgn="base" latinLnBrk="0" hangingPunct="1">
+              <a:lnSpc>
+                <a:spcPct val="100000"/>
+              </a:lnSpc>
+              <a:spcBef>
+                <a:spcPct val="0"/>
+              </a:spcBef>
+              <a:spcAft>
+                <a:spcPct val="0"/>
+              </a:spcAft>
+              <a:buClrTx/>
+              <a:buSzTx/>
+              <a:buFont typeface="Arial" panose="020B0604020202020204" pitchFamily="34" charset="0"/>
+              <a:buChar char="•"/>
+              <a:tabLst/>
+              <a:defRPr/>
+            </a:pPr>
+            <a:endParaRPr lang="en-US" sz="2400" dirty="0">
+              <a:solidFill>
+                <a:prstClr val="black"/>
+              </a:solidFill>
+              <a:latin typeface="Arial" pitchFamily="34" charset="0"/>
+              <a:cs typeface="Arial" pitchFamily="34" charset="0"/>
+            </a:endParaRPr>
+          </a:p>
+          <a:p>
+            <a:pPr marR="0" lvl="0" algn="just" defTabSz="457200" rtl="0" eaLnBrk="1" fontAlgn="base" latinLnBrk="0" hangingPunct="1">
+              <a:lnSpc>
+                <a:spcPct val="100000"/>
+              </a:lnSpc>
+              <a:spcBef>
+                <a:spcPct val="0"/>
+              </a:spcBef>
+              <a:spcAft>
+                <a:spcPct val="0"/>
+              </a:spcAft>
+              <a:buClrTx/>
+              <a:buSzTx/>
+              <a:tabLst/>
+              <a:defRPr/>
+            </a:pPr>
+            <a:r>
+              <a:rPr kumimoji="0" lang="en-US" sz="2400" b="1" i="0" u="none" strike="noStrike" kern="1200" cap="none" spc="0" normalizeH="0" baseline="0" noProof="0" dirty="0">
+                <a:ln>
+                  <a:noFill/>
+                </a:ln>
+                <a:solidFill>
+                  <a:prstClr val="black"/>
+                </a:solidFill>
+                <a:effectLst/>
+                <a:uLnTx/>
+                <a:uFillTx/>
+                <a:latin typeface="Arial" pitchFamily="34" charset="0"/>
+                <a:ea typeface="ＭＳ Ｐゴシック" pitchFamily="1" charset="-128"/>
+                <a:cs typeface="Arial" pitchFamily="34" charset="0"/>
+              </a:rPr>
+              <a:t>Career counseling:</a:t>
+            </a:r>
+          </a:p>
+          <a:p>
+            <a:pPr marL="342900" marR="0" lvl="0" indent="-342900" algn="just" defTabSz="457200" rtl="0" eaLnBrk="1" fontAlgn="base" latinLnBrk="0" hangingPunct="1">
+              <a:lnSpc>
+                <a:spcPct val="100000"/>
+              </a:lnSpc>
+              <a:spcBef>
+                <a:spcPct val="0"/>
+              </a:spcBef>
+              <a:spcAft>
+                <a:spcPct val="0"/>
+              </a:spcAft>
+              <a:buClrTx/>
+              <a:buSzTx/>
+              <a:buFont typeface="Arial" panose="020B0604020202020204" pitchFamily="34" charset="0"/>
+              <a:buChar char="•"/>
+              <a:tabLst/>
+              <a:defRPr/>
+            </a:pPr>
+            <a:r>
+              <a:rPr lang="en-US" sz="2400" dirty="0">
+                <a:solidFill>
+                  <a:prstClr val="black"/>
+                </a:solidFill>
+                <a:latin typeface="Arial" pitchFamily="34" charset="0"/>
+                <a:cs typeface="Arial" pitchFamily="34" charset="0"/>
+              </a:rPr>
+              <a:t>National Career Service: </a:t>
+            </a:r>
+            <a:r>
+              <a:rPr lang="en-US" sz="2400" dirty="0">
+                <a:solidFill>
+                  <a:prstClr val="black"/>
+                </a:solidFill>
+                <a:latin typeface="Arial" pitchFamily="34" charset="0"/>
+                <a:cs typeface="Arial" pitchFamily="34" charset="0"/>
+                <a:hlinkClick r:id="rId8"/>
+              </a:rPr>
+              <a:t>https://www.ncs.gov.in/</a:t>
+            </a:r>
+            <a:endParaRPr lang="en-US" sz="2400" dirty="0">
+              <a:solidFill>
+                <a:prstClr val="black"/>
+              </a:solidFill>
+              <a:latin typeface="Arial" pitchFamily="34" charset="0"/>
+              <a:cs typeface="Arial" pitchFamily="34" charset="0"/>
+            </a:endParaRPr>
+          </a:p>
+        </p:txBody>
+      </p:sp>
+      <p:sp>
+        <p:nvSpPr>
+          <p:cNvPr id="6" name="Slide Number Placeholder 5"/>
+          <p:cNvSpPr>
+            <a:spLocks noGrp="1"/>
+          </p:cNvSpPr>
+          <p:nvPr>
+            <p:ph type="sldNum" sz="quarter" idx="12"/>
+          </p:nvPr>
+        </p:nvSpPr>
+        <p:spPr/>
+        <p:txBody>
+          <a:bodyPr/>
+          <a:lstStyle/>
+          <a:p>
+            <a:pPr marL="0" marR="0" lvl="0" indent="0" algn="r" defTabSz="457200" rtl="0" eaLnBrk="1" fontAlgn="base" latinLnBrk="0" hangingPunct="1">
+              <a:lnSpc>
+                <a:spcPct val="100000"/>
+              </a:lnSpc>
+              <a:spcBef>
+                <a:spcPct val="0"/>
+              </a:spcBef>
+              <a:spcAft>
+                <a:spcPct val="0"/>
+              </a:spcAft>
+              <a:buClrTx/>
+              <a:buSzTx/>
+              <a:buFontTx/>
+              <a:buNone/>
+              <a:tabLst/>
+              <a:defRPr/>
+            </a:pPr>
+            <a:fld id="{677C3CE7-23F7-4828-823C-E0205DF2CF97}" type="slidenum">
+              <a:rPr kumimoji="0" lang="en-US" sz="1200" b="1" i="0" u="none" strike="noStrike" kern="1200" cap="none" spc="0" normalizeH="0" baseline="0" noProof="0">
+                <a:ln>
+                  <a:noFill/>
+                </a:ln>
+                <a:solidFill>
+                  <a:prstClr val="white"/>
+                </a:solidFill>
+                <a:effectLst/>
+                <a:uLnTx/>
+                <a:uFillTx/>
+                <a:latin typeface="TradeGothic" pitchFamily="1" charset="0"/>
+                <a:ea typeface="ＭＳ Ｐゴシック" pitchFamily="1" charset="-128"/>
+                <a:cs typeface="+mn-cs"/>
+              </a:rPr>
+              <a:pPr marL="0" marR="0" lvl="0" indent="0" algn="r" defTabSz="457200" rtl="0" eaLnBrk="1" fontAlgn="base" latinLnBrk="0" hangingPunct="1">
+                <a:lnSpc>
+                  <a:spcPct val="100000"/>
+                </a:lnSpc>
+                <a:spcBef>
+                  <a:spcPct val="0"/>
+                </a:spcBef>
+                <a:spcAft>
+                  <a:spcPct val="0"/>
+                </a:spcAft>
+                <a:buClrTx/>
+                <a:buSzTx/>
+                <a:buFontTx/>
+                <a:buNone/>
+                <a:tabLst/>
+                <a:defRPr/>
+              </a:pPr>
+              <a:t>5</a:t>
+            </a:fld>
+            <a:endParaRPr kumimoji="0" lang="en-US" sz="1200" b="1" i="0" u="none" strike="noStrike" kern="1200" cap="none" spc="0" normalizeH="0" baseline="0" noProof="0" dirty="0">
+              <a:ln>
+                <a:noFill/>
+              </a:ln>
+              <a:solidFill>
+                <a:prstClr val="white"/>
+              </a:solidFill>
+              <a:effectLst/>
+              <a:uLnTx/>
+              <a:uFillTx/>
+              <a:latin typeface="TradeGothic" pitchFamily="1" charset="0"/>
+              <a:ea typeface="ＭＳ Ｐゴシック" pitchFamily="1" charset="-128"/>
+              <a:cs typeface="+mn-cs"/>
+            </a:endParaRPr>
+          </a:p>
+        </p:txBody>
+      </p:sp>
+      <p:sp>
+        <p:nvSpPr>
+          <p:cNvPr id="7" name="Footer Placeholder 6"/>
+          <p:cNvSpPr>
+            <a:spLocks noGrp="1"/>
+          </p:cNvSpPr>
+          <p:nvPr>
+            <p:ph type="ftr" sz="quarter" idx="11"/>
+          </p:nvPr>
+        </p:nvSpPr>
+        <p:spPr>
+          <a:xfrm>
+            <a:off x="4648200" y="6356353"/>
+            <a:ext cx="3204000" cy="365125"/>
+          </a:xfrm>
+        </p:spPr>
+        <p:txBody>
+          <a:bodyPr/>
+          <a:lstStyle/>
+          <a:p>
+            <a:pPr marL="0" marR="0" lvl="0" indent="0" algn="ctr" defTabSz="457200" rtl="0" eaLnBrk="1" fontAlgn="auto" latinLnBrk="0" hangingPunct="1">
+              <a:lnSpc>
+                <a:spcPct val="100000"/>
+              </a:lnSpc>
+              <a:spcBef>
+                <a:spcPts val="0"/>
+              </a:spcBef>
+              <a:spcAft>
+                <a:spcPts val="0"/>
+              </a:spcAft>
+              <a:buClrTx/>
+              <a:buSzTx/>
+              <a:buFontTx/>
+              <a:buNone/>
+              <a:tabLst/>
+              <a:defRPr/>
+            </a:pPr>
+            <a:r>
+              <a:rPr kumimoji="0" lang="en-US" sz="1200" b="0" i="0" u="none" strike="noStrike" kern="1200" cap="none" spc="0" normalizeH="0" baseline="0" noProof="0">
+                <a:ln>
+                  <a:noFill/>
+                </a:ln>
+                <a:solidFill>
+                  <a:prstClr val="white"/>
+                </a:solidFill>
+                <a:effectLst/>
+                <a:uLnTx/>
+                <a:uFillTx/>
+                <a:latin typeface="TradeGothic"/>
+                <a:ea typeface="+mn-ea"/>
+                <a:cs typeface="+mn-cs"/>
+              </a:rPr>
+              <a:t>@SIH Idea submission- Template</a:t>
+            </a:r>
+            <a:endParaRPr kumimoji="0" lang="en-US" sz="1200" b="0" i="0" u="none" strike="noStrike" kern="1200" cap="none" spc="0" normalizeH="0" baseline="0" noProof="0" dirty="0">
+              <a:ln>
+                <a:noFill/>
+              </a:ln>
+              <a:solidFill>
+                <a:prstClr val="white"/>
+              </a:solidFill>
+              <a:effectLst/>
+              <a:uLnTx/>
+              <a:uFillTx/>
+              <a:latin typeface="TradeGothic"/>
+              <a:ea typeface="+mn-ea"/>
+              <a:cs typeface="+mn-cs"/>
+            </a:endParaRPr>
+          </a:p>
+        </p:txBody>
+      </p:sp>
+      <p:pic>
+        <p:nvPicPr>
+          <p:cNvPr id="8" name="Google Shape;93;p2"/>
+          <p:cNvPicPr preferRelativeResize="0"/>
+          <p:nvPr/>
+        </p:nvPicPr>
+        <p:blipFill rotWithShape="1">
+          <a:blip r:embed="rId9">
+            <a:alphaModFix/>
+          </a:blip>
+          <a:srcRect/>
+          <a:stretch/>
+        </p:blipFill>
+        <p:spPr>
+          <a:xfrm>
+            <a:off x="9803911" y="81376"/>
+            <a:ext cx="2246575" cy="1149075"/>
+          </a:xfrm>
+          <a:prstGeom prst="rect">
+            <a:avLst/>
+          </a:prstGeom>
+          <a:noFill/>
+          <a:ln>
+            <a:noFill/>
+          </a:ln>
+        </p:spPr>
+      </p:pic>
+      <p:sp>
+        <p:nvSpPr>
+          <p:cNvPr id="2" name="Subtitle 3">
+            <a:extLst>
+              <a:ext uri="{FF2B5EF4-FFF2-40B4-BE49-F238E27FC236}">
+                <a16:creationId xmlns:a16="http://schemas.microsoft.com/office/drawing/2014/main" id="{86ACAACC-C1F0-6BFF-A758-59D258CFA931}"/>
+              </a:ext>
+            </a:extLst>
+          </p:cNvPr>
+          <p:cNvSpPr txBox="1">
+            <a:spLocks/>
+          </p:cNvSpPr>
+          <p:nvPr/>
+        </p:nvSpPr>
+        <p:spPr bwMode="auto">
+          <a:xfrm>
+            <a:off x="210901" y="124277"/>
+            <a:ext cx="1228752" cy="764807"/>
+          </a:xfrm>
+          <a:prstGeom prst="rect">
+            <a:avLst/>
+          </a:prstGeom>
+          <a:noFill/>
+          <a:ln w="9525">
+            <a:noFill/>
+            <a:miter lim="800000"/>
+            <a:headEnd/>
+            <a:tailEnd/>
+          </a:ln>
+        </p:spPr>
+        <p:txBody>
+          <a:bodyPr vert="horz" wrap="square" lIns="91440" tIns="45720" rIns="91440" bIns="45720" numCol="1" anchor="t" anchorCtr="0" compatLnSpc="1">
+            <a:prstTxWarp prst="textNoShape">
+              <a:avLst/>
+            </a:prstTxWarp>
+          </a:bodyPr>
+          <a:lstStyle>
+            <a:lvl1pPr marL="342900" indent="-342900" algn="l" defTabSz="457200" rtl="0" eaLnBrk="0" fontAlgn="base" hangingPunct="0">
+              <a:spcBef>
+                <a:spcPct val="20000"/>
+              </a:spcBef>
+              <a:spcAft>
+                <a:spcPct val="0"/>
+              </a:spcAft>
+              <a:buFont typeface="Arial" pitchFamily="34" charset="0"/>
+              <a:buChar char="•"/>
+              <a:defRPr sz="3200" kern="1200">
+                <a:solidFill>
+                  <a:schemeClr val="tx1"/>
+                </a:solidFill>
+                <a:latin typeface="TradeGothic"/>
+                <a:ea typeface="ＭＳ Ｐゴシック" charset="0"/>
+                <a:cs typeface="ＭＳ Ｐゴシック" charset="0"/>
+              </a:defRPr>
+            </a:lvl1pPr>
+            <a:lvl2pPr marL="742950" indent="-285750" algn="l" defTabSz="457200" rtl="0" eaLnBrk="0" fontAlgn="base" hangingPunct="0">
+              <a:spcBef>
+                <a:spcPct val="20000"/>
+              </a:spcBef>
+              <a:spcAft>
+                <a:spcPct val="0"/>
+              </a:spcAft>
+              <a:buFont typeface="Arial" pitchFamily="34" charset="0"/>
+              <a:buChar char="–"/>
+              <a:defRPr sz="2800" kern="1200">
+                <a:solidFill>
+                  <a:schemeClr val="tx1"/>
+                </a:solidFill>
+                <a:latin typeface="TradeGothic"/>
+                <a:ea typeface="ＭＳ Ｐゴシック" charset="0"/>
+                <a:cs typeface="+mn-cs"/>
+              </a:defRPr>
+            </a:lvl2pPr>
+            <a:lvl3pPr marL="1143000" indent="-228600" algn="l" defTabSz="457200" rtl="0" eaLnBrk="0" fontAlgn="base" hangingPunct="0">
+              <a:spcBef>
+                <a:spcPct val="20000"/>
+              </a:spcBef>
+              <a:spcAft>
+                <a:spcPct val="0"/>
+              </a:spcAft>
+              <a:buFont typeface="Arial" pitchFamily="34" charset="0"/>
+              <a:buChar char="•"/>
+              <a:defRPr sz="2400" kern="1200">
+                <a:solidFill>
+                  <a:schemeClr val="tx1"/>
+                </a:solidFill>
+                <a:latin typeface="TradeGothic"/>
+                <a:ea typeface="ＭＳ Ｐゴシック" charset="0"/>
+                <a:cs typeface="+mn-cs"/>
+              </a:defRPr>
+            </a:lvl3pPr>
+            <a:lvl4pPr marL="1600200" indent="-228600" algn="l" defTabSz="457200" rtl="0" eaLnBrk="0" fontAlgn="base" hangingPunct="0">
+              <a:spcBef>
+                <a:spcPct val="20000"/>
+              </a:spcBef>
+              <a:spcAft>
+                <a:spcPct val="0"/>
+              </a:spcAft>
+              <a:buFont typeface="Arial" pitchFamily="34" charset="0"/>
+              <a:buChar char="–"/>
+              <a:defRPr sz="2000" kern="1200">
+                <a:solidFill>
+                  <a:schemeClr val="tx1"/>
+                </a:solidFill>
+                <a:latin typeface="TradeGothic"/>
+                <a:ea typeface="ＭＳ Ｐゴシック" charset="0"/>
+                <a:cs typeface="+mn-cs"/>
+              </a:defRPr>
+            </a:lvl4pPr>
+            <a:lvl5pPr marL="2057400" indent="-228600" algn="l" defTabSz="457200" rtl="0" eaLnBrk="0" fontAlgn="base" hangingPunct="0">
+              <a:spcBef>
+                <a:spcPct val="20000"/>
+              </a:spcBef>
+              <a:spcAft>
+                <a:spcPct val="0"/>
+              </a:spcAft>
+              <a:buFont typeface="Arial" pitchFamily="34" charset="0"/>
+              <a:buChar char="»"/>
+              <a:defRPr sz="2000" kern="1200">
+                <a:solidFill>
+                  <a:schemeClr val="tx1"/>
+                </a:solidFill>
+                <a:latin typeface="TradeGothic"/>
+                <a:ea typeface="ＭＳ Ｐゴシック" charset="0"/>
+                <a:cs typeface="+mn-cs"/>
+              </a:defRPr>
+            </a:lvl5pPr>
+            <a:lvl6pPr marL="2514600" indent="-228600" algn="l" defTabSz="457200" rtl="0" eaLnBrk="1" latinLnBrk="0" hangingPunct="1">
+              <a:spcBef>
+                <a:spcPct val="20000"/>
+              </a:spcBef>
+              <a:buFont typeface="Arial"/>
+              <a:buChar char="•"/>
+              <a:defRPr sz="2000" kern="1200">
+                <a:solidFill>
+                  <a:schemeClr val="tx1"/>
+                </a:solidFill>
+                <a:latin typeface="+mn-lt"/>
+                <a:ea typeface="+mn-ea"/>
+                <a:cs typeface="+mn-cs"/>
+              </a:defRPr>
+            </a:lvl6pPr>
+            <a:lvl7pPr marL="2971800" indent="-228600" algn="l" defTabSz="457200" rtl="0" eaLnBrk="1" latinLnBrk="0" hangingPunct="1">
+              <a:spcBef>
+                <a:spcPct val="20000"/>
+              </a:spcBef>
+              <a:buFont typeface="Arial"/>
+              <a:buChar char="•"/>
+              <a:defRPr sz="2000" kern="1200">
+                <a:solidFill>
+                  <a:schemeClr val="tx1"/>
+                </a:solidFill>
+                <a:latin typeface="+mn-lt"/>
+                <a:ea typeface="+mn-ea"/>
+                <a:cs typeface="+mn-cs"/>
+              </a:defRPr>
+            </a:lvl7pPr>
+            <a:lvl8pPr marL="3429000" indent="-228600" algn="l" defTabSz="457200" rtl="0" eaLnBrk="1" latinLnBrk="0" hangingPunct="1">
+              <a:spcBef>
+                <a:spcPct val="20000"/>
+              </a:spcBef>
+              <a:buFont typeface="Arial"/>
+              <a:buChar char="•"/>
+              <a:defRPr sz="2000" kern="1200">
+                <a:solidFill>
+                  <a:schemeClr val="tx1"/>
+                </a:solidFill>
+                <a:latin typeface="+mn-lt"/>
+                <a:ea typeface="+mn-ea"/>
+                <a:cs typeface="+mn-cs"/>
+              </a:defRPr>
+            </a:lvl8pPr>
+            <a:lvl9pPr marL="3886200" indent="-228600" algn="l" defTabSz="457200" rtl="0" eaLnBrk="1" latinLnBrk="0" hangingPunct="1">
+              <a:spcBef>
+                <a:spcPct val="20000"/>
+              </a:spcBef>
+              <a:buFont typeface="Arial"/>
+              <a:buChar char="•"/>
+              <a:defRPr sz="2000" kern="1200">
+                <a:solidFill>
+                  <a:schemeClr val="tx1"/>
+                </a:solidFill>
+                <a:latin typeface="+mn-lt"/>
+                <a:ea typeface="+mn-ea"/>
+                <a:cs typeface="+mn-cs"/>
+              </a:defRPr>
+            </a:lvl9pPr>
+          </a:lstStyle>
+          <a:p>
+            <a:pPr marL="0" indent="0">
+              <a:buNone/>
+            </a:pPr>
+            <a:r>
+              <a:rPr lang="en-US" sz="2400" b="1" dirty="0">
+                <a:latin typeface="Times New Roman" panose="02020603050405020304" pitchFamily="18" charset="0"/>
+                <a:cs typeface="Times New Roman" panose="02020603050405020304" pitchFamily="18" charset="0"/>
+              </a:rPr>
+              <a:t>NAYI DISHA</a:t>
+            </a:r>
+          </a:p>
+        </p:txBody>
+      </p:sp>
+    </p:spTree>
+    <p:extLst>
+      <p:ext uri="{BB962C8B-B14F-4D97-AF65-F5344CB8AC3E}">
+        <p14:creationId xmlns:p14="http://schemas.microsoft.com/office/powerpoint/2010/main" val="696633123"/>
       </p:ext>
     </p:extLst>
   </p:cSld>
